--- a/ppt/apresentacao_testes.pptx
+++ b/ppt/apresentacao_testes.pptx
@@ -4149,7 +4149,7 @@
           </a:ln>
           <a:extLst>
             <a:ext uri="{C572A759-6A51-4108-AA02-DFA0A04FC94B}">
-              <ma14:wrappingTextBoxFlag xmlns:ma14="http://schemas.microsoft.com/office/mac/drawingml/2011/main" xmlns="" val="1"/>
+              <ma14:wrappingTextBoxFlag xmlns="" xmlns:ma14="http://schemas.microsoft.com/office/mac/drawingml/2011/main" val="1"/>
             </a:ext>
           </a:extLst>
         </p:spPr>
@@ -4283,7 +4283,7 @@
           </a:ln>
           <a:extLst>
             <a:ext uri="{C572A759-6A51-4108-AA02-DFA0A04FC94B}">
-              <ma14:wrappingTextBoxFlag xmlns:ma14="http://schemas.microsoft.com/office/mac/drawingml/2011/main" xmlns="" val="1"/>
+              <ma14:wrappingTextBoxFlag xmlns="" xmlns:ma14="http://schemas.microsoft.com/office/mac/drawingml/2011/main" val="1"/>
             </a:ext>
           </a:extLst>
         </p:spPr>
@@ -4485,7 +4485,7 @@
           </a:ln>
           <a:extLst>
             <a:ext uri="{C572A759-6A51-4108-AA02-DFA0A04FC94B}">
-              <ma14:wrappingTextBoxFlag xmlns:ma14="http://schemas.microsoft.com/office/mac/drawingml/2011/main" xmlns="" val="1"/>
+              <ma14:wrappingTextBoxFlag xmlns="" xmlns:ma14="http://schemas.microsoft.com/office/mac/drawingml/2011/main" val="1"/>
             </a:ext>
           </a:extLst>
         </p:spPr>
@@ -4619,7 +4619,7 @@
           </a:ln>
           <a:extLst>
             <a:ext uri="{C572A759-6A51-4108-AA02-DFA0A04FC94B}">
-              <ma14:wrappingTextBoxFlag xmlns:ma14="http://schemas.microsoft.com/office/mac/drawingml/2011/main" xmlns="" val="1"/>
+              <ma14:wrappingTextBoxFlag xmlns="" xmlns:ma14="http://schemas.microsoft.com/office/mac/drawingml/2011/main" val="1"/>
             </a:ext>
           </a:extLst>
         </p:spPr>
@@ -4885,7 +4885,7 @@
           </a:ln>
           <a:extLst>
             <a:ext uri="{C572A759-6A51-4108-AA02-DFA0A04FC94B}">
-              <ma14:wrappingTextBoxFlag xmlns:ma14="http://schemas.microsoft.com/office/mac/drawingml/2011/main" xmlns="" val="1"/>
+              <ma14:wrappingTextBoxFlag xmlns="" xmlns:ma14="http://schemas.microsoft.com/office/mac/drawingml/2011/main" val="1"/>
             </a:ext>
           </a:extLst>
         </p:spPr>
@@ -5220,7 +5220,7 @@
           </a:ln>
           <a:extLst>
             <a:ext uri="{C572A759-6A51-4108-AA02-DFA0A04FC94B}">
-              <ma14:wrappingTextBoxFlag xmlns:ma14="http://schemas.microsoft.com/office/mac/drawingml/2011/main" xmlns="" val="1"/>
+              <ma14:wrappingTextBoxFlag xmlns="" xmlns:ma14="http://schemas.microsoft.com/office/mac/drawingml/2011/main" val="1"/>
             </a:ext>
           </a:extLst>
         </p:spPr>
@@ -5338,8 +5338,8 @@
         </p:nvSpPr>
         <p:spPr>
           <a:xfrm>
-            <a:off x="775322" y="1294131"/>
-            <a:ext cx="10150983" cy="3416320"/>
+            <a:off x="759823" y="1912023"/>
+            <a:ext cx="10150983" cy="2308324"/>
           </a:xfrm>
           <a:prstGeom prst="rect">
             <a:avLst/>
@@ -5358,33 +5358,7 @@
                 <a:latin typeface="Microsoft JhengHei" panose="020B0604030504040204" pitchFamily="34" charset="-120"/>
                 <a:ea typeface="Microsoft JhengHei" panose="020B0604030504040204" pitchFamily="34" charset="-120"/>
               </a:rPr>
-              <a:t>Implementando</a:t>
-            </a:r>
-            <a:br>
-              <a:rPr lang="pt-BR" sz="7200" dirty="0">
-                <a:latin typeface="Microsoft JhengHei" panose="020B0604030504040204" pitchFamily="34" charset="-120"/>
-                <a:ea typeface="Microsoft JhengHei" panose="020B0604030504040204" pitchFamily="34" charset="-120"/>
-              </a:rPr>
-            </a:br>
-            <a:r>
-              <a:rPr lang="pt-BR" sz="7200" dirty="0">
-                <a:latin typeface="Microsoft JhengHei" panose="020B0604030504040204" pitchFamily="34" charset="-120"/>
-                <a:ea typeface="Microsoft JhengHei" panose="020B0604030504040204" pitchFamily="34" charset="-120"/>
-              </a:rPr>
-              <a:t>Testes </a:t>
-            </a:r>
-            <a:br>
-              <a:rPr lang="pt-BR" sz="7200" dirty="0">
-                <a:latin typeface="Microsoft JhengHei" panose="020B0604030504040204" pitchFamily="34" charset="-120"/>
-                <a:ea typeface="Microsoft JhengHei" panose="020B0604030504040204" pitchFamily="34" charset="-120"/>
-              </a:rPr>
-            </a:br>
-            <a:r>
-              <a:rPr lang="pt-BR" sz="7200" dirty="0">
-                <a:latin typeface="Microsoft JhengHei" panose="020B0604030504040204" pitchFamily="34" charset="-120"/>
-                <a:ea typeface="Microsoft JhengHei" panose="020B0604030504040204" pitchFamily="34" charset="-120"/>
-              </a:rPr>
-              <a:t>com C#</a:t>
+              <a:t>Desenvolvimento com Testes</a:t>
             </a:r>
           </a:p>
         </p:txBody>
@@ -5513,7 +5487,7 @@
           </a:ln>
           <a:extLst>
             <a:ext uri="{C572A759-6A51-4108-AA02-DFA0A04FC94B}">
-              <ma14:wrappingTextBoxFlag xmlns:ma14="http://schemas.microsoft.com/office/mac/drawingml/2011/main" xmlns="" val="1"/>
+              <ma14:wrappingTextBoxFlag xmlns="" xmlns:ma14="http://schemas.microsoft.com/office/mac/drawingml/2011/main" val="1"/>
             </a:ext>
           </a:extLst>
         </p:spPr>
@@ -5890,7 +5864,7 @@
           </a:ln>
           <a:extLst>
             <a:ext uri="{C572A759-6A51-4108-AA02-DFA0A04FC94B}">
-              <ma14:wrappingTextBoxFlag xmlns:ma14="http://schemas.microsoft.com/office/mac/drawingml/2011/main" xmlns="" val="1"/>
+              <ma14:wrappingTextBoxFlag xmlns="" xmlns:ma14="http://schemas.microsoft.com/office/mac/drawingml/2011/main" val="1"/>
             </a:ext>
           </a:extLst>
         </p:spPr>
@@ -6024,7 +5998,7 @@
           </a:ln>
           <a:extLst>
             <a:ext uri="{C572A759-6A51-4108-AA02-DFA0A04FC94B}">
-              <ma14:wrappingTextBoxFlag xmlns:ma14="http://schemas.microsoft.com/office/mac/drawingml/2011/main" xmlns="" val="1"/>
+              <ma14:wrappingTextBoxFlag xmlns="" xmlns:ma14="http://schemas.microsoft.com/office/mac/drawingml/2011/main" val="1"/>
             </a:ext>
           </a:extLst>
         </p:spPr>
@@ -6275,7 +6249,7 @@
           </a:ln>
           <a:extLst>
             <a:ext uri="{C572A759-6A51-4108-AA02-DFA0A04FC94B}">
-              <ma14:wrappingTextBoxFlag xmlns:ma14="http://schemas.microsoft.com/office/mac/drawingml/2011/main" xmlns="" val="1"/>
+              <ma14:wrappingTextBoxFlag xmlns="" xmlns:ma14="http://schemas.microsoft.com/office/mac/drawingml/2011/main" val="1"/>
             </a:ext>
           </a:extLst>
         </p:spPr>
@@ -6409,7 +6383,7 @@
           </a:ln>
           <a:extLst>
             <a:ext uri="{C572A759-6A51-4108-AA02-DFA0A04FC94B}">
-              <ma14:wrappingTextBoxFlag xmlns:ma14="http://schemas.microsoft.com/office/mac/drawingml/2011/main" xmlns="" val="1"/>
+              <ma14:wrappingTextBoxFlag xmlns="" xmlns:ma14="http://schemas.microsoft.com/office/mac/drawingml/2011/main" val="1"/>
             </a:ext>
           </a:extLst>
         </p:spPr>
@@ -6532,7 +6506,7 @@
           </a:ln>
           <a:extLst>
             <a:ext uri="{C572A759-6A51-4108-AA02-DFA0A04FC94B}">
-              <ma14:wrappingTextBoxFlag xmlns:ma14="http://schemas.microsoft.com/office/mac/drawingml/2011/main" xmlns="" val="1"/>
+              <ma14:wrappingTextBoxFlag xmlns="" xmlns:ma14="http://schemas.microsoft.com/office/mac/drawingml/2011/main" val="1"/>
             </a:ext>
           </a:extLst>
         </p:spPr>
@@ -6666,7 +6640,7 @@
           </a:ln>
           <a:extLst>
             <a:ext uri="{C572A759-6A51-4108-AA02-DFA0A04FC94B}">
-              <ma14:wrappingTextBoxFlag xmlns:ma14="http://schemas.microsoft.com/office/mac/drawingml/2011/main" xmlns="" val="1"/>
+              <ma14:wrappingTextBoxFlag xmlns="" xmlns:ma14="http://schemas.microsoft.com/office/mac/drawingml/2011/main" val="1"/>
             </a:ext>
           </a:extLst>
         </p:spPr>
@@ -6791,7 +6765,7 @@
           </a:ln>
           <a:extLst>
             <a:ext uri="{C572A759-6A51-4108-AA02-DFA0A04FC94B}">
-              <ma14:wrappingTextBoxFlag xmlns:ma14="http://schemas.microsoft.com/office/mac/drawingml/2011/main" xmlns="" val="1"/>
+              <ma14:wrappingTextBoxFlag xmlns="" xmlns:ma14="http://schemas.microsoft.com/office/mac/drawingml/2011/main" val="1"/>
             </a:ext>
           </a:extLst>
         </p:spPr>
@@ -6925,7 +6899,7 @@
           </a:ln>
           <a:extLst>
             <a:ext uri="{C572A759-6A51-4108-AA02-DFA0A04FC94B}">
-              <ma14:wrappingTextBoxFlag xmlns:ma14="http://schemas.microsoft.com/office/mac/drawingml/2011/main" xmlns="" val="1"/>
+              <ma14:wrappingTextBoxFlag xmlns="" xmlns:ma14="http://schemas.microsoft.com/office/mac/drawingml/2011/main" val="1"/>
             </a:ext>
           </a:extLst>
         </p:spPr>
@@ -6991,6 +6965,103 @@
                 <a:ea typeface="Microsoft JhengHei" panose="020B0604030504040204" pitchFamily="34" charset="-120"/>
               </a:rPr>
               <a:t>Testes de Integração</a:t>
+            </a:r>
+          </a:p>
+        </p:txBody>
+      </p:sp>
+      <p:sp>
+        <p:nvSpPr>
+          <p:cNvPr id="2" name="TextBox 1">
+            <a:extLst>
+              <a:ext uri="{FF2B5EF4-FFF2-40B4-BE49-F238E27FC236}">
+                <a16:creationId xmlns:a16="http://schemas.microsoft.com/office/drawing/2014/main" id="{15EF50B9-0E90-49F3-AD52-B59BD24FE89A}"/>
+              </a:ext>
+            </a:extLst>
+          </p:cNvPr>
+          <p:cNvSpPr txBox="1"/>
+          <p:nvPr/>
+        </p:nvSpPr>
+        <p:spPr>
+          <a:xfrm>
+            <a:off x="162369" y="1751308"/>
+            <a:ext cx="10934417" cy="1938992"/>
+          </a:xfrm>
+          <a:prstGeom prst="rect">
+            <a:avLst/>
+          </a:prstGeom>
+          <a:noFill/>
+        </p:spPr>
+        <p:txBody>
+          <a:bodyPr wrap="square" rtlCol="0">
+            <a:spAutoFit/>
+          </a:bodyPr>
+          <a:lstStyle/>
+          <a:p>
+            <a:r>
+              <a:rPr lang="pt-BR" sz="2400" dirty="0">
+                <a:latin typeface="Microsoft JhengHei" panose="020B0604030504040204" pitchFamily="34" charset="-120"/>
+                <a:ea typeface="Microsoft JhengHei" panose="020B0604030504040204" pitchFamily="34" charset="-120"/>
+              </a:rPr>
+              <a:t>Testes que integram </a:t>
+            </a:r>
+            <a:r>
+              <a:rPr lang="pt-BR" sz="2400" b="1" dirty="0">
+                <a:latin typeface="Microsoft JhengHei" panose="020B0604030504040204" pitchFamily="34" charset="-120"/>
+                <a:ea typeface="Microsoft JhengHei" panose="020B0604030504040204" pitchFamily="34" charset="-120"/>
+              </a:rPr>
+              <a:t>PARTES</a:t>
+            </a:r>
+            <a:r>
+              <a:rPr lang="pt-BR" sz="2400" dirty="0">
+                <a:latin typeface="Microsoft JhengHei" panose="020B0604030504040204" pitchFamily="34" charset="-120"/>
+                <a:ea typeface="Microsoft JhengHei" panose="020B0604030504040204" pitchFamily="34" charset="-120"/>
+              </a:rPr>
+              <a:t> do seu sistema:</a:t>
+            </a:r>
+          </a:p>
+          <a:p>
+            <a:endParaRPr lang="pt-BR" sz="2400" dirty="0">
+              <a:latin typeface="Microsoft JhengHei" panose="020B0604030504040204" pitchFamily="34" charset="-120"/>
+              <a:ea typeface="Microsoft JhengHei" panose="020B0604030504040204" pitchFamily="34" charset="-120"/>
+            </a:endParaRPr>
+          </a:p>
+          <a:p>
+            <a:pPr marL="342900" indent="-342900">
+              <a:buFont typeface="Arial" panose="020B0604020202020204" pitchFamily="34" charset="0"/>
+              <a:buChar char="•"/>
+            </a:pPr>
+            <a:r>
+              <a:rPr lang="pt-BR" sz="2400" dirty="0">
+                <a:latin typeface="Microsoft JhengHei" panose="020B0604030504040204" pitchFamily="34" charset="-120"/>
+                <a:ea typeface="Microsoft JhengHei" panose="020B0604030504040204" pitchFamily="34" charset="-120"/>
+              </a:rPr>
+              <a:t>Banco de dados;</a:t>
+            </a:r>
+          </a:p>
+          <a:p>
+            <a:pPr marL="342900" indent="-342900">
+              <a:buFont typeface="Arial" panose="020B0604020202020204" pitchFamily="34" charset="0"/>
+              <a:buChar char="•"/>
+            </a:pPr>
+            <a:r>
+              <a:rPr lang="pt-BR" sz="2400" dirty="0">
+                <a:latin typeface="Microsoft JhengHei" panose="020B0604030504040204" pitchFamily="34" charset="-120"/>
+                <a:ea typeface="Microsoft JhengHei" panose="020B0604030504040204" pitchFamily="34" charset="-120"/>
+              </a:rPr>
+              <a:t>Chamadas HTTP;</a:t>
+            </a:r>
+          </a:p>
+          <a:p>
+            <a:pPr marL="342900" indent="-342900">
+              <a:buFont typeface="Arial" panose="020B0604020202020204" pitchFamily="34" charset="0"/>
+              <a:buChar char="•"/>
+            </a:pPr>
+            <a:r>
+              <a:rPr lang="pt-BR" sz="2400" dirty="0">
+                <a:latin typeface="Microsoft JhengHei" panose="020B0604030504040204" pitchFamily="34" charset="-120"/>
+                <a:ea typeface="Microsoft JhengHei" panose="020B0604030504040204" pitchFamily="34" charset="-120"/>
+              </a:rPr>
+              <a:t>Serviços externos.</a:t>
             </a:r>
           </a:p>
         </p:txBody>
@@ -7050,7 +7121,7 @@
           </a:ln>
           <a:extLst>
             <a:ext uri="{C572A759-6A51-4108-AA02-DFA0A04FC94B}">
-              <ma14:wrappingTextBoxFlag xmlns:ma14="http://schemas.microsoft.com/office/mac/drawingml/2011/main" xmlns="" val="1"/>
+              <ma14:wrappingTextBoxFlag xmlns="" xmlns:ma14="http://schemas.microsoft.com/office/mac/drawingml/2011/main" val="1"/>
             </a:ext>
           </a:extLst>
         </p:spPr>
@@ -7184,7 +7255,7 @@
           </a:ln>
           <a:extLst>
             <a:ext uri="{C572A759-6A51-4108-AA02-DFA0A04FC94B}">
-              <ma14:wrappingTextBoxFlag xmlns:ma14="http://schemas.microsoft.com/office/mac/drawingml/2011/main" xmlns="" val="1"/>
+              <ma14:wrappingTextBoxFlag xmlns="" xmlns:ma14="http://schemas.microsoft.com/office/mac/drawingml/2011/main" val="1"/>
             </a:ext>
           </a:extLst>
         </p:spPr>
@@ -7309,7 +7380,7 @@
           </a:ln>
           <a:extLst>
             <a:ext uri="{C572A759-6A51-4108-AA02-DFA0A04FC94B}">
-              <ma14:wrappingTextBoxFlag xmlns:ma14="http://schemas.microsoft.com/office/mac/drawingml/2011/main" xmlns="" val="1"/>
+              <ma14:wrappingTextBoxFlag xmlns="" xmlns:ma14="http://schemas.microsoft.com/office/mac/drawingml/2011/main" val="1"/>
             </a:ext>
           </a:extLst>
         </p:spPr>
@@ -7443,7 +7514,7 @@
           </a:ln>
           <a:extLst>
             <a:ext uri="{C572A759-6A51-4108-AA02-DFA0A04FC94B}">
-              <ma14:wrappingTextBoxFlag xmlns:ma14="http://schemas.microsoft.com/office/mac/drawingml/2011/main" xmlns="" val="1"/>
+              <ma14:wrappingTextBoxFlag xmlns="" xmlns:ma14="http://schemas.microsoft.com/office/mac/drawingml/2011/main" val="1"/>
             </a:ext>
           </a:extLst>
         </p:spPr>

--- a/ppt/apresentacao_testes.pptx
+++ b/ppt/apresentacao_testes.pptx
@@ -5,7 +5,7 @@
     <p:sldMasterId id="2147483648" r:id="rId1"/>
   </p:sldMasterIdLst>
   <p:notesMasterIdLst>
-    <p:notesMasterId r:id="rId15"/>
+    <p:notesMasterId r:id="rId16"/>
   </p:notesMasterIdLst>
   <p:sldIdLst>
     <p:sldId id="256" r:id="rId2"/>
@@ -14,13 +14,14 @@
     <p:sldId id="259" r:id="rId5"/>
     <p:sldId id="260" r:id="rId6"/>
     <p:sldId id="267" r:id="rId7"/>
-    <p:sldId id="261" r:id="rId8"/>
-    <p:sldId id="268" r:id="rId9"/>
-    <p:sldId id="266" r:id="rId10"/>
-    <p:sldId id="263" r:id="rId11"/>
-    <p:sldId id="269" r:id="rId12"/>
-    <p:sldId id="265" r:id="rId13"/>
-    <p:sldId id="258" r:id="rId14"/>
+    <p:sldId id="270" r:id="rId8"/>
+    <p:sldId id="261" r:id="rId9"/>
+    <p:sldId id="268" r:id="rId10"/>
+    <p:sldId id="266" r:id="rId11"/>
+    <p:sldId id="263" r:id="rId12"/>
+    <p:sldId id="269" r:id="rId13"/>
+    <p:sldId id="265" r:id="rId14"/>
+    <p:sldId id="258" r:id="rId15"/>
   </p:sldIdLst>
   <p:sldSz cx="12192000" cy="6858000"/>
   <p:notesSz cx="6858000" cy="9144000"/>
@@ -121,7 +122,7 @@
   </p:defaultTextStyle>
   <p:extLst>
     <p:ext uri="{EFAFB233-063F-42B5-8137-9DF3F51BA10A}">
-      <p15:sldGuideLst xmlns:p15="http://schemas.microsoft.com/office/powerpoint/2012/main"/>
+      <p15:sldGuideLst xmlns:p15="http://schemas.microsoft.com/office/powerpoint/2012/main" xmlns=""/>
     </p:ext>
   </p:extLst>
 </p:presentation>
@@ -368,7 +369,7 @@
           <a:p>
             <a:fld id="{EA5BAAD5-B35B-4DCD-837D-2E8DFD36BEEC}" type="slidenum">
               <a:rPr lang="pt-BR" smtClean="0"/>
-              <a:t>‹#›</a:t>
+              <a:t>‹nº›</a:t>
             </a:fld>
             <a:endParaRPr lang="pt-BR"/>
           </a:p>
@@ -583,7 +584,7 @@
           <p:cNvPr id="2" name="Título 1">
             <a:extLst>
               <a:ext uri="{FF2B5EF4-FFF2-40B4-BE49-F238E27FC236}">
-                <a16:creationId xmlns:a16="http://schemas.microsoft.com/office/drawing/2014/main" id="{6874F129-4BFC-4132-805A-052A80CF8D7F}"/>
+                <a16:creationId xmlns:a16="http://schemas.microsoft.com/office/drawing/2014/main" xmlns="" id="{6874F129-4BFC-4132-805A-052A80CF8D7F}"/>
               </a:ext>
             </a:extLst>
           </p:cNvPr>
@@ -623,7 +624,7 @@
           <p:cNvPr id="3" name="Subtítulo 2">
             <a:extLst>
               <a:ext uri="{FF2B5EF4-FFF2-40B4-BE49-F238E27FC236}">
-                <a16:creationId xmlns:a16="http://schemas.microsoft.com/office/drawing/2014/main" id="{690A26BE-3356-45FD-AD48-7AD676372F21}"/>
+                <a16:creationId xmlns:a16="http://schemas.microsoft.com/office/drawing/2014/main" xmlns="" id="{690A26BE-3356-45FD-AD48-7AD676372F21}"/>
               </a:ext>
             </a:extLst>
           </p:cNvPr>
@@ -696,7 +697,7 @@
           <p:cNvPr id="4" name="Espaço Reservado para Data 3">
             <a:extLst>
               <a:ext uri="{FF2B5EF4-FFF2-40B4-BE49-F238E27FC236}">
-                <a16:creationId xmlns:a16="http://schemas.microsoft.com/office/drawing/2014/main" id="{59CE2207-7FE3-44E9-BB0D-CB145C53CA1C}"/>
+                <a16:creationId xmlns:a16="http://schemas.microsoft.com/office/drawing/2014/main" xmlns="" id="{59CE2207-7FE3-44E9-BB0D-CB145C53CA1C}"/>
               </a:ext>
             </a:extLst>
           </p:cNvPr>
@@ -733,7 +734,7 @@
           <p:cNvPr id="5" name="Espaço Reservado para Rodapé 4">
             <a:extLst>
               <a:ext uri="{FF2B5EF4-FFF2-40B4-BE49-F238E27FC236}">
-                <a16:creationId xmlns:a16="http://schemas.microsoft.com/office/drawing/2014/main" id="{DBFA3726-5889-43EA-9218-C653CA018FC1}"/>
+                <a16:creationId xmlns:a16="http://schemas.microsoft.com/office/drawing/2014/main" xmlns="" id="{DBFA3726-5889-43EA-9218-C653CA018FC1}"/>
               </a:ext>
             </a:extLst>
           </p:cNvPr>
@@ -766,7 +767,7 @@
           <p:cNvPr id="6" name="Espaço Reservado para Número de Slide 5">
             <a:extLst>
               <a:ext uri="{FF2B5EF4-FFF2-40B4-BE49-F238E27FC236}">
-                <a16:creationId xmlns:a16="http://schemas.microsoft.com/office/drawing/2014/main" id="{06BC8109-6803-4D86-BDF7-3FA21BD61C06}"/>
+                <a16:creationId xmlns:a16="http://schemas.microsoft.com/office/drawing/2014/main" xmlns="" id="{06BC8109-6803-4D86-BDF7-3FA21BD61C06}"/>
               </a:ext>
             </a:extLst>
           </p:cNvPr>
@@ -792,7 +793,7 @@
           <a:p>
             <a:fld id="{58C77F2B-6DD0-408D-B9E5-E7CD3A9F4A53}" type="slidenum">
               <a:rPr lang="pt-BR" smtClean="0"/>
-              <a:t>‹#›</a:t>
+              <a:t>‹nº›</a:t>
             </a:fld>
             <a:endParaRPr lang="pt-BR"/>
           </a:p>
@@ -833,7 +834,7 @@
           <p:cNvPr id="2" name="Título 1">
             <a:extLst>
               <a:ext uri="{FF2B5EF4-FFF2-40B4-BE49-F238E27FC236}">
-                <a16:creationId xmlns:a16="http://schemas.microsoft.com/office/drawing/2014/main" id="{F001F157-4BDB-4E48-8762-C4C2ADA64C83}"/>
+                <a16:creationId xmlns:a16="http://schemas.microsoft.com/office/drawing/2014/main" xmlns="" id="{F001F157-4BDB-4E48-8762-C4C2ADA64C83}"/>
               </a:ext>
             </a:extLst>
           </p:cNvPr>
@@ -869,7 +870,7 @@
           <p:cNvPr id="3" name="Espaço Reservado para Texto Vertical 2">
             <a:extLst>
               <a:ext uri="{FF2B5EF4-FFF2-40B4-BE49-F238E27FC236}">
-                <a16:creationId xmlns:a16="http://schemas.microsoft.com/office/drawing/2014/main" id="{5F5BA1A6-DD49-4EF2-BEA2-56799DED96DA}"/>
+                <a16:creationId xmlns:a16="http://schemas.microsoft.com/office/drawing/2014/main" xmlns="" id="{5F5BA1A6-DD49-4EF2-BEA2-56799DED96DA}"/>
               </a:ext>
             </a:extLst>
           </p:cNvPr>
@@ -934,7 +935,7 @@
           <p:cNvPr id="4" name="Espaço Reservado para Data 3">
             <a:extLst>
               <a:ext uri="{FF2B5EF4-FFF2-40B4-BE49-F238E27FC236}">
-                <a16:creationId xmlns:a16="http://schemas.microsoft.com/office/drawing/2014/main" id="{8D2907FA-D2AA-4D70-BF96-644020408EFC}"/>
+                <a16:creationId xmlns:a16="http://schemas.microsoft.com/office/drawing/2014/main" xmlns="" id="{8D2907FA-D2AA-4D70-BF96-644020408EFC}"/>
               </a:ext>
             </a:extLst>
           </p:cNvPr>
@@ -971,7 +972,7 @@
           <p:cNvPr id="5" name="Espaço Reservado para Rodapé 4">
             <a:extLst>
               <a:ext uri="{FF2B5EF4-FFF2-40B4-BE49-F238E27FC236}">
-                <a16:creationId xmlns:a16="http://schemas.microsoft.com/office/drawing/2014/main" id="{C259FC60-DC69-4542-A108-DCC333444E9C}"/>
+                <a16:creationId xmlns:a16="http://schemas.microsoft.com/office/drawing/2014/main" xmlns="" id="{C259FC60-DC69-4542-A108-DCC333444E9C}"/>
               </a:ext>
             </a:extLst>
           </p:cNvPr>
@@ -1004,7 +1005,7 @@
           <p:cNvPr id="6" name="Espaço Reservado para Número de Slide 5">
             <a:extLst>
               <a:ext uri="{FF2B5EF4-FFF2-40B4-BE49-F238E27FC236}">
-                <a16:creationId xmlns:a16="http://schemas.microsoft.com/office/drawing/2014/main" id="{8CAD87E5-C6E2-44AF-BB7D-1D87EB63EC79}"/>
+                <a16:creationId xmlns:a16="http://schemas.microsoft.com/office/drawing/2014/main" xmlns="" id="{8CAD87E5-C6E2-44AF-BB7D-1D87EB63EC79}"/>
               </a:ext>
             </a:extLst>
           </p:cNvPr>
@@ -1030,7 +1031,7 @@
           <a:p>
             <a:fld id="{58C77F2B-6DD0-408D-B9E5-E7CD3A9F4A53}" type="slidenum">
               <a:rPr lang="pt-BR" smtClean="0"/>
-              <a:t>‹#›</a:t>
+              <a:t>‹nº›</a:t>
             </a:fld>
             <a:endParaRPr lang="pt-BR"/>
           </a:p>
@@ -1071,7 +1072,7 @@
           <p:cNvPr id="2" name="Título Vertical 1">
             <a:extLst>
               <a:ext uri="{FF2B5EF4-FFF2-40B4-BE49-F238E27FC236}">
-                <a16:creationId xmlns:a16="http://schemas.microsoft.com/office/drawing/2014/main" id="{4AF7D2B4-067F-4404-AAF9-2BB2E356D014}"/>
+                <a16:creationId xmlns:a16="http://schemas.microsoft.com/office/drawing/2014/main" xmlns="" id="{4AF7D2B4-067F-4404-AAF9-2BB2E356D014}"/>
               </a:ext>
             </a:extLst>
           </p:cNvPr>
@@ -1107,7 +1108,7 @@
           <p:cNvPr id="3" name="Espaço Reservado para Texto Vertical 2">
             <a:extLst>
               <a:ext uri="{FF2B5EF4-FFF2-40B4-BE49-F238E27FC236}">
-                <a16:creationId xmlns:a16="http://schemas.microsoft.com/office/drawing/2014/main" id="{B72DA842-212C-4B8D-84AC-69BD78C471B8}"/>
+                <a16:creationId xmlns:a16="http://schemas.microsoft.com/office/drawing/2014/main" xmlns="" id="{B72DA842-212C-4B8D-84AC-69BD78C471B8}"/>
               </a:ext>
             </a:extLst>
           </p:cNvPr>
@@ -1172,7 +1173,7 @@
           <p:cNvPr id="4" name="Espaço Reservado para Data 3">
             <a:extLst>
               <a:ext uri="{FF2B5EF4-FFF2-40B4-BE49-F238E27FC236}">
-                <a16:creationId xmlns:a16="http://schemas.microsoft.com/office/drawing/2014/main" id="{75E02681-E1EA-49CD-9C2A-8228153CC83C}"/>
+                <a16:creationId xmlns:a16="http://schemas.microsoft.com/office/drawing/2014/main" xmlns="" id="{75E02681-E1EA-49CD-9C2A-8228153CC83C}"/>
               </a:ext>
             </a:extLst>
           </p:cNvPr>
@@ -1209,7 +1210,7 @@
           <p:cNvPr id="5" name="Espaço Reservado para Rodapé 4">
             <a:extLst>
               <a:ext uri="{FF2B5EF4-FFF2-40B4-BE49-F238E27FC236}">
-                <a16:creationId xmlns:a16="http://schemas.microsoft.com/office/drawing/2014/main" id="{CBD7AA7E-94DC-41C4-B924-DF2EDD9D4855}"/>
+                <a16:creationId xmlns:a16="http://schemas.microsoft.com/office/drawing/2014/main" xmlns="" id="{CBD7AA7E-94DC-41C4-B924-DF2EDD9D4855}"/>
               </a:ext>
             </a:extLst>
           </p:cNvPr>
@@ -1242,7 +1243,7 @@
           <p:cNvPr id="6" name="Espaço Reservado para Número de Slide 5">
             <a:extLst>
               <a:ext uri="{FF2B5EF4-FFF2-40B4-BE49-F238E27FC236}">
-                <a16:creationId xmlns:a16="http://schemas.microsoft.com/office/drawing/2014/main" id="{4DAB9E5A-EDDB-4A05-AEF7-1DB25485D052}"/>
+                <a16:creationId xmlns:a16="http://schemas.microsoft.com/office/drawing/2014/main" xmlns="" id="{4DAB9E5A-EDDB-4A05-AEF7-1DB25485D052}"/>
               </a:ext>
             </a:extLst>
           </p:cNvPr>
@@ -1268,7 +1269,7 @@
           <a:p>
             <a:fld id="{58C77F2B-6DD0-408D-B9E5-E7CD3A9F4A53}" type="slidenum">
               <a:rPr lang="pt-BR" smtClean="0"/>
-              <a:t>‹#›</a:t>
+              <a:t>‹nº›</a:t>
             </a:fld>
             <a:endParaRPr lang="pt-BR"/>
           </a:p>
@@ -1309,7 +1310,7 @@
           <p:cNvPr id="2" name="Título 1">
             <a:extLst>
               <a:ext uri="{FF2B5EF4-FFF2-40B4-BE49-F238E27FC236}">
-                <a16:creationId xmlns:a16="http://schemas.microsoft.com/office/drawing/2014/main" id="{40E09AB0-72D9-4171-B76C-130E39FE7C2A}"/>
+                <a16:creationId xmlns:a16="http://schemas.microsoft.com/office/drawing/2014/main" xmlns="" id="{40E09AB0-72D9-4171-B76C-130E39FE7C2A}"/>
               </a:ext>
             </a:extLst>
           </p:cNvPr>
@@ -1345,7 +1346,7 @@
           <p:cNvPr id="3" name="Espaço Reservado para Conteúdo 2">
             <a:extLst>
               <a:ext uri="{FF2B5EF4-FFF2-40B4-BE49-F238E27FC236}">
-                <a16:creationId xmlns:a16="http://schemas.microsoft.com/office/drawing/2014/main" id="{3621DB48-4257-420A-9E04-2EDB9A00456B}"/>
+                <a16:creationId xmlns:a16="http://schemas.microsoft.com/office/drawing/2014/main" xmlns="" id="{3621DB48-4257-420A-9E04-2EDB9A00456B}"/>
               </a:ext>
             </a:extLst>
           </p:cNvPr>
@@ -1410,7 +1411,7 @@
           <p:cNvPr id="4" name="Espaço Reservado para Data 3">
             <a:extLst>
               <a:ext uri="{FF2B5EF4-FFF2-40B4-BE49-F238E27FC236}">
-                <a16:creationId xmlns:a16="http://schemas.microsoft.com/office/drawing/2014/main" id="{4B7311D4-BC70-4E36-91E0-9E67E999B62F}"/>
+                <a16:creationId xmlns:a16="http://schemas.microsoft.com/office/drawing/2014/main" xmlns="" id="{4B7311D4-BC70-4E36-91E0-9E67E999B62F}"/>
               </a:ext>
             </a:extLst>
           </p:cNvPr>
@@ -1447,7 +1448,7 @@
           <p:cNvPr id="5" name="Espaço Reservado para Rodapé 4">
             <a:extLst>
               <a:ext uri="{FF2B5EF4-FFF2-40B4-BE49-F238E27FC236}">
-                <a16:creationId xmlns:a16="http://schemas.microsoft.com/office/drawing/2014/main" id="{7B198F58-44C0-4C75-A627-682404058215}"/>
+                <a16:creationId xmlns:a16="http://schemas.microsoft.com/office/drawing/2014/main" xmlns="" id="{7B198F58-44C0-4C75-A627-682404058215}"/>
               </a:ext>
             </a:extLst>
           </p:cNvPr>
@@ -1480,7 +1481,7 @@
           <p:cNvPr id="6" name="Espaço Reservado para Número de Slide 5">
             <a:extLst>
               <a:ext uri="{FF2B5EF4-FFF2-40B4-BE49-F238E27FC236}">
-                <a16:creationId xmlns:a16="http://schemas.microsoft.com/office/drawing/2014/main" id="{8AA6FF41-9B72-46E8-8650-0C391EAD350E}"/>
+                <a16:creationId xmlns:a16="http://schemas.microsoft.com/office/drawing/2014/main" xmlns="" id="{8AA6FF41-9B72-46E8-8650-0C391EAD350E}"/>
               </a:ext>
             </a:extLst>
           </p:cNvPr>
@@ -1506,7 +1507,7 @@
           <a:p>
             <a:fld id="{58C77F2B-6DD0-408D-B9E5-E7CD3A9F4A53}" type="slidenum">
               <a:rPr lang="pt-BR" smtClean="0"/>
-              <a:t>‹#›</a:t>
+              <a:t>‹nº›</a:t>
             </a:fld>
             <a:endParaRPr lang="pt-BR"/>
           </a:p>
@@ -1547,7 +1548,7 @@
           <p:cNvPr id="2" name="Título 1">
             <a:extLst>
               <a:ext uri="{FF2B5EF4-FFF2-40B4-BE49-F238E27FC236}">
-                <a16:creationId xmlns:a16="http://schemas.microsoft.com/office/drawing/2014/main" id="{5802DA17-74C5-4AF8-89A9-8458C41504C5}"/>
+                <a16:creationId xmlns:a16="http://schemas.microsoft.com/office/drawing/2014/main" xmlns="" id="{5802DA17-74C5-4AF8-89A9-8458C41504C5}"/>
               </a:ext>
             </a:extLst>
           </p:cNvPr>
@@ -1587,7 +1588,7 @@
           <p:cNvPr id="3" name="Espaço Reservado para Texto 2">
             <a:extLst>
               <a:ext uri="{FF2B5EF4-FFF2-40B4-BE49-F238E27FC236}">
-                <a16:creationId xmlns:a16="http://schemas.microsoft.com/office/drawing/2014/main" id="{E376D2E7-CF53-4EEE-AF8E-085707F71F47}"/>
+                <a16:creationId xmlns:a16="http://schemas.microsoft.com/office/drawing/2014/main" xmlns="" id="{E376D2E7-CF53-4EEE-AF8E-085707F71F47}"/>
               </a:ext>
             </a:extLst>
           </p:cNvPr>
@@ -1715,7 +1716,7 @@
           <p:cNvPr id="4" name="Espaço Reservado para Data 3">
             <a:extLst>
               <a:ext uri="{FF2B5EF4-FFF2-40B4-BE49-F238E27FC236}">
-                <a16:creationId xmlns:a16="http://schemas.microsoft.com/office/drawing/2014/main" id="{87072531-F13D-4DFA-906C-579EC8519675}"/>
+                <a16:creationId xmlns:a16="http://schemas.microsoft.com/office/drawing/2014/main" xmlns="" id="{87072531-F13D-4DFA-906C-579EC8519675}"/>
               </a:ext>
             </a:extLst>
           </p:cNvPr>
@@ -1752,7 +1753,7 @@
           <p:cNvPr id="5" name="Espaço Reservado para Rodapé 4">
             <a:extLst>
               <a:ext uri="{FF2B5EF4-FFF2-40B4-BE49-F238E27FC236}">
-                <a16:creationId xmlns:a16="http://schemas.microsoft.com/office/drawing/2014/main" id="{0687792B-486E-484E-BA4E-8612CF311083}"/>
+                <a16:creationId xmlns:a16="http://schemas.microsoft.com/office/drawing/2014/main" xmlns="" id="{0687792B-486E-484E-BA4E-8612CF311083}"/>
               </a:ext>
             </a:extLst>
           </p:cNvPr>
@@ -1785,7 +1786,7 @@
           <p:cNvPr id="6" name="Espaço Reservado para Número de Slide 5">
             <a:extLst>
               <a:ext uri="{FF2B5EF4-FFF2-40B4-BE49-F238E27FC236}">
-                <a16:creationId xmlns:a16="http://schemas.microsoft.com/office/drawing/2014/main" id="{681AEBA3-2A22-4DE7-A73D-59B828061814}"/>
+                <a16:creationId xmlns:a16="http://schemas.microsoft.com/office/drawing/2014/main" xmlns="" id="{681AEBA3-2A22-4DE7-A73D-59B828061814}"/>
               </a:ext>
             </a:extLst>
           </p:cNvPr>
@@ -1811,7 +1812,7 @@
           <a:p>
             <a:fld id="{58C77F2B-6DD0-408D-B9E5-E7CD3A9F4A53}" type="slidenum">
               <a:rPr lang="pt-BR" smtClean="0"/>
-              <a:t>‹#›</a:t>
+              <a:t>‹nº›</a:t>
             </a:fld>
             <a:endParaRPr lang="pt-BR"/>
           </a:p>
@@ -1852,7 +1853,7 @@
           <p:cNvPr id="2" name="Título 1">
             <a:extLst>
               <a:ext uri="{FF2B5EF4-FFF2-40B4-BE49-F238E27FC236}">
-                <a16:creationId xmlns:a16="http://schemas.microsoft.com/office/drawing/2014/main" id="{207F7805-B379-4E09-9F7C-FDD7EEA972DA}"/>
+                <a16:creationId xmlns:a16="http://schemas.microsoft.com/office/drawing/2014/main" xmlns="" id="{207F7805-B379-4E09-9F7C-FDD7EEA972DA}"/>
               </a:ext>
             </a:extLst>
           </p:cNvPr>
@@ -1888,7 +1889,7 @@
           <p:cNvPr id="3" name="Espaço Reservado para Conteúdo 2">
             <a:extLst>
               <a:ext uri="{FF2B5EF4-FFF2-40B4-BE49-F238E27FC236}">
-                <a16:creationId xmlns:a16="http://schemas.microsoft.com/office/drawing/2014/main" id="{7879F8F8-7AAE-4EFD-BFC7-9091405111AE}"/>
+                <a16:creationId xmlns:a16="http://schemas.microsoft.com/office/drawing/2014/main" xmlns="" id="{7879F8F8-7AAE-4EFD-BFC7-9091405111AE}"/>
               </a:ext>
             </a:extLst>
           </p:cNvPr>
@@ -1953,7 +1954,7 @@
           <p:cNvPr id="4" name="Espaço Reservado para Conteúdo 3">
             <a:extLst>
               <a:ext uri="{FF2B5EF4-FFF2-40B4-BE49-F238E27FC236}">
-                <a16:creationId xmlns:a16="http://schemas.microsoft.com/office/drawing/2014/main" id="{7CE274ED-20BA-47F6-B060-283723B09E3F}"/>
+                <a16:creationId xmlns:a16="http://schemas.microsoft.com/office/drawing/2014/main" xmlns="" id="{7CE274ED-20BA-47F6-B060-283723B09E3F}"/>
               </a:ext>
             </a:extLst>
           </p:cNvPr>
@@ -2018,7 +2019,7 @@
           <p:cNvPr id="5" name="Espaço Reservado para Data 4">
             <a:extLst>
               <a:ext uri="{FF2B5EF4-FFF2-40B4-BE49-F238E27FC236}">
-                <a16:creationId xmlns:a16="http://schemas.microsoft.com/office/drawing/2014/main" id="{86DE8D9D-73F4-4024-8215-43B1C0BB112A}"/>
+                <a16:creationId xmlns:a16="http://schemas.microsoft.com/office/drawing/2014/main" xmlns="" id="{86DE8D9D-73F4-4024-8215-43B1C0BB112A}"/>
               </a:ext>
             </a:extLst>
           </p:cNvPr>
@@ -2055,7 +2056,7 @@
           <p:cNvPr id="6" name="Espaço Reservado para Rodapé 5">
             <a:extLst>
               <a:ext uri="{FF2B5EF4-FFF2-40B4-BE49-F238E27FC236}">
-                <a16:creationId xmlns:a16="http://schemas.microsoft.com/office/drawing/2014/main" id="{89730098-395A-4400-AA85-52C323D31AC8}"/>
+                <a16:creationId xmlns:a16="http://schemas.microsoft.com/office/drawing/2014/main" xmlns="" id="{89730098-395A-4400-AA85-52C323D31AC8}"/>
               </a:ext>
             </a:extLst>
           </p:cNvPr>
@@ -2088,7 +2089,7 @@
           <p:cNvPr id="7" name="Espaço Reservado para Número de Slide 6">
             <a:extLst>
               <a:ext uri="{FF2B5EF4-FFF2-40B4-BE49-F238E27FC236}">
-                <a16:creationId xmlns:a16="http://schemas.microsoft.com/office/drawing/2014/main" id="{43F5CBC7-8F43-4AA8-A1AF-CDEB2108111A}"/>
+                <a16:creationId xmlns:a16="http://schemas.microsoft.com/office/drawing/2014/main" xmlns="" id="{43F5CBC7-8F43-4AA8-A1AF-CDEB2108111A}"/>
               </a:ext>
             </a:extLst>
           </p:cNvPr>
@@ -2114,7 +2115,7 @@
           <a:p>
             <a:fld id="{58C77F2B-6DD0-408D-B9E5-E7CD3A9F4A53}" type="slidenum">
               <a:rPr lang="pt-BR" smtClean="0"/>
-              <a:t>‹#›</a:t>
+              <a:t>‹nº›</a:t>
             </a:fld>
             <a:endParaRPr lang="pt-BR"/>
           </a:p>
@@ -2155,7 +2156,7 @@
           <p:cNvPr id="2" name="Título 1">
             <a:extLst>
               <a:ext uri="{FF2B5EF4-FFF2-40B4-BE49-F238E27FC236}">
-                <a16:creationId xmlns:a16="http://schemas.microsoft.com/office/drawing/2014/main" id="{B36D057D-CEB2-4059-AA90-27A782FD97C0}"/>
+                <a16:creationId xmlns:a16="http://schemas.microsoft.com/office/drawing/2014/main" xmlns="" id="{B36D057D-CEB2-4059-AA90-27A782FD97C0}"/>
               </a:ext>
             </a:extLst>
           </p:cNvPr>
@@ -2191,7 +2192,7 @@
           <p:cNvPr id="3" name="Espaço Reservado para Texto 2">
             <a:extLst>
               <a:ext uri="{FF2B5EF4-FFF2-40B4-BE49-F238E27FC236}">
-                <a16:creationId xmlns:a16="http://schemas.microsoft.com/office/drawing/2014/main" id="{C68AE417-4B95-428D-A4D5-3170946AB9F2}"/>
+                <a16:creationId xmlns:a16="http://schemas.microsoft.com/office/drawing/2014/main" xmlns="" id="{C68AE417-4B95-428D-A4D5-3170946AB9F2}"/>
               </a:ext>
             </a:extLst>
           </p:cNvPr>
@@ -2265,7 +2266,7 @@
           <p:cNvPr id="4" name="Espaço Reservado para Conteúdo 3">
             <a:extLst>
               <a:ext uri="{FF2B5EF4-FFF2-40B4-BE49-F238E27FC236}">
-                <a16:creationId xmlns:a16="http://schemas.microsoft.com/office/drawing/2014/main" id="{3E84057C-A929-4162-A7AF-20B372DDA8C3}"/>
+                <a16:creationId xmlns:a16="http://schemas.microsoft.com/office/drawing/2014/main" xmlns="" id="{3E84057C-A929-4162-A7AF-20B372DDA8C3}"/>
               </a:ext>
             </a:extLst>
           </p:cNvPr>
@@ -2330,7 +2331,7 @@
           <p:cNvPr id="5" name="Espaço Reservado para Texto 4">
             <a:extLst>
               <a:ext uri="{FF2B5EF4-FFF2-40B4-BE49-F238E27FC236}">
-                <a16:creationId xmlns:a16="http://schemas.microsoft.com/office/drawing/2014/main" id="{AC6E484B-F313-4338-A5D3-971E73A232B2}"/>
+                <a16:creationId xmlns:a16="http://schemas.microsoft.com/office/drawing/2014/main" xmlns="" id="{AC6E484B-F313-4338-A5D3-971E73A232B2}"/>
               </a:ext>
             </a:extLst>
           </p:cNvPr>
@@ -2404,7 +2405,7 @@
           <p:cNvPr id="6" name="Espaço Reservado para Conteúdo 5">
             <a:extLst>
               <a:ext uri="{FF2B5EF4-FFF2-40B4-BE49-F238E27FC236}">
-                <a16:creationId xmlns:a16="http://schemas.microsoft.com/office/drawing/2014/main" id="{F8FE468A-97D5-4734-9F32-D03259063796}"/>
+                <a16:creationId xmlns:a16="http://schemas.microsoft.com/office/drawing/2014/main" xmlns="" id="{F8FE468A-97D5-4734-9F32-D03259063796}"/>
               </a:ext>
             </a:extLst>
           </p:cNvPr>
@@ -2469,7 +2470,7 @@
           <p:cNvPr id="7" name="Espaço Reservado para Data 6">
             <a:extLst>
               <a:ext uri="{FF2B5EF4-FFF2-40B4-BE49-F238E27FC236}">
-                <a16:creationId xmlns:a16="http://schemas.microsoft.com/office/drawing/2014/main" id="{4C8FD828-01DF-43A7-8FD5-67BD15885626}"/>
+                <a16:creationId xmlns:a16="http://schemas.microsoft.com/office/drawing/2014/main" xmlns="" id="{4C8FD828-01DF-43A7-8FD5-67BD15885626}"/>
               </a:ext>
             </a:extLst>
           </p:cNvPr>
@@ -2506,7 +2507,7 @@
           <p:cNvPr id="8" name="Espaço Reservado para Rodapé 7">
             <a:extLst>
               <a:ext uri="{FF2B5EF4-FFF2-40B4-BE49-F238E27FC236}">
-                <a16:creationId xmlns:a16="http://schemas.microsoft.com/office/drawing/2014/main" id="{4B0D3A90-47FE-4B8E-A947-421D1B070FE2}"/>
+                <a16:creationId xmlns:a16="http://schemas.microsoft.com/office/drawing/2014/main" xmlns="" id="{4B0D3A90-47FE-4B8E-A947-421D1B070FE2}"/>
               </a:ext>
             </a:extLst>
           </p:cNvPr>
@@ -2539,7 +2540,7 @@
           <p:cNvPr id="9" name="Espaço Reservado para Número de Slide 8">
             <a:extLst>
               <a:ext uri="{FF2B5EF4-FFF2-40B4-BE49-F238E27FC236}">
-                <a16:creationId xmlns:a16="http://schemas.microsoft.com/office/drawing/2014/main" id="{B3913BEA-E495-4747-A7CD-02F8D5EAAF23}"/>
+                <a16:creationId xmlns:a16="http://schemas.microsoft.com/office/drawing/2014/main" xmlns="" id="{B3913BEA-E495-4747-A7CD-02F8D5EAAF23}"/>
               </a:ext>
             </a:extLst>
           </p:cNvPr>
@@ -2565,7 +2566,7 @@
           <a:p>
             <a:fld id="{58C77F2B-6DD0-408D-B9E5-E7CD3A9F4A53}" type="slidenum">
               <a:rPr lang="pt-BR" smtClean="0"/>
-              <a:t>‹#›</a:t>
+              <a:t>‹nº›</a:t>
             </a:fld>
             <a:endParaRPr lang="pt-BR"/>
           </a:p>
@@ -2606,7 +2607,7 @@
           <p:cNvPr id="2" name="Título 1">
             <a:extLst>
               <a:ext uri="{FF2B5EF4-FFF2-40B4-BE49-F238E27FC236}">
-                <a16:creationId xmlns:a16="http://schemas.microsoft.com/office/drawing/2014/main" id="{879E2BD2-A626-462D-BFA3-B24B0ED199F3}"/>
+                <a16:creationId xmlns:a16="http://schemas.microsoft.com/office/drawing/2014/main" xmlns="" id="{879E2BD2-A626-462D-BFA3-B24B0ED199F3}"/>
               </a:ext>
             </a:extLst>
           </p:cNvPr>
@@ -2642,7 +2643,7 @@
           <p:cNvPr id="3" name="Espaço Reservado para Data 2">
             <a:extLst>
               <a:ext uri="{FF2B5EF4-FFF2-40B4-BE49-F238E27FC236}">
-                <a16:creationId xmlns:a16="http://schemas.microsoft.com/office/drawing/2014/main" id="{A9ADDA02-DA87-4E8A-8422-4A133DBCE716}"/>
+                <a16:creationId xmlns:a16="http://schemas.microsoft.com/office/drawing/2014/main" xmlns="" id="{A9ADDA02-DA87-4E8A-8422-4A133DBCE716}"/>
               </a:ext>
             </a:extLst>
           </p:cNvPr>
@@ -2679,7 +2680,7 @@
           <p:cNvPr id="4" name="Espaço Reservado para Rodapé 3">
             <a:extLst>
               <a:ext uri="{FF2B5EF4-FFF2-40B4-BE49-F238E27FC236}">
-                <a16:creationId xmlns:a16="http://schemas.microsoft.com/office/drawing/2014/main" id="{9453DCA1-44FC-4E02-9813-9C3225A95479}"/>
+                <a16:creationId xmlns:a16="http://schemas.microsoft.com/office/drawing/2014/main" xmlns="" id="{9453DCA1-44FC-4E02-9813-9C3225A95479}"/>
               </a:ext>
             </a:extLst>
           </p:cNvPr>
@@ -2712,7 +2713,7 @@
           <p:cNvPr id="5" name="Espaço Reservado para Número de Slide 4">
             <a:extLst>
               <a:ext uri="{FF2B5EF4-FFF2-40B4-BE49-F238E27FC236}">
-                <a16:creationId xmlns:a16="http://schemas.microsoft.com/office/drawing/2014/main" id="{D9D8ECBA-681F-4E99-A312-5903FE87117E}"/>
+                <a16:creationId xmlns:a16="http://schemas.microsoft.com/office/drawing/2014/main" xmlns="" id="{D9D8ECBA-681F-4E99-A312-5903FE87117E}"/>
               </a:ext>
             </a:extLst>
           </p:cNvPr>
@@ -2738,7 +2739,7 @@
           <a:p>
             <a:fld id="{58C77F2B-6DD0-408D-B9E5-E7CD3A9F4A53}" type="slidenum">
               <a:rPr lang="pt-BR" smtClean="0"/>
-              <a:t>‹#›</a:t>
+              <a:t>‹nº›</a:t>
             </a:fld>
             <a:endParaRPr lang="pt-BR"/>
           </a:p>
@@ -2779,7 +2780,7 @@
           <p:cNvPr id="2" name="Espaço Reservado para Data 1">
             <a:extLst>
               <a:ext uri="{FF2B5EF4-FFF2-40B4-BE49-F238E27FC236}">
-                <a16:creationId xmlns:a16="http://schemas.microsoft.com/office/drawing/2014/main" id="{74219B32-A687-4619-A8A2-B6F5B31F1011}"/>
+                <a16:creationId xmlns:a16="http://schemas.microsoft.com/office/drawing/2014/main" xmlns="" id="{74219B32-A687-4619-A8A2-B6F5B31F1011}"/>
               </a:ext>
             </a:extLst>
           </p:cNvPr>
@@ -2816,7 +2817,7 @@
           <p:cNvPr id="3" name="Espaço Reservado para Rodapé 2">
             <a:extLst>
               <a:ext uri="{FF2B5EF4-FFF2-40B4-BE49-F238E27FC236}">
-                <a16:creationId xmlns:a16="http://schemas.microsoft.com/office/drawing/2014/main" id="{6DC03557-5CA6-4A49-991B-80C8A326574A}"/>
+                <a16:creationId xmlns:a16="http://schemas.microsoft.com/office/drawing/2014/main" xmlns="" id="{6DC03557-5CA6-4A49-991B-80C8A326574A}"/>
               </a:ext>
             </a:extLst>
           </p:cNvPr>
@@ -2849,7 +2850,7 @@
           <p:cNvPr id="4" name="Espaço Reservado para Número de Slide 3">
             <a:extLst>
               <a:ext uri="{FF2B5EF4-FFF2-40B4-BE49-F238E27FC236}">
-                <a16:creationId xmlns:a16="http://schemas.microsoft.com/office/drawing/2014/main" id="{CA39093D-3E45-4951-9053-44BC4EA67BA7}"/>
+                <a16:creationId xmlns:a16="http://schemas.microsoft.com/office/drawing/2014/main" xmlns="" id="{CA39093D-3E45-4951-9053-44BC4EA67BA7}"/>
               </a:ext>
             </a:extLst>
           </p:cNvPr>
@@ -2875,7 +2876,7 @@
           <a:p>
             <a:fld id="{58C77F2B-6DD0-408D-B9E5-E7CD3A9F4A53}" type="slidenum">
               <a:rPr lang="pt-BR" smtClean="0"/>
-              <a:t>‹#›</a:t>
+              <a:t>‹nº›</a:t>
             </a:fld>
             <a:endParaRPr lang="pt-BR"/>
           </a:p>
@@ -2916,7 +2917,7 @@
           <p:cNvPr id="2" name="Título 1">
             <a:extLst>
               <a:ext uri="{FF2B5EF4-FFF2-40B4-BE49-F238E27FC236}">
-                <a16:creationId xmlns:a16="http://schemas.microsoft.com/office/drawing/2014/main" id="{F6677D36-B2E2-4DA7-B383-BA295364ACDB}"/>
+                <a16:creationId xmlns:a16="http://schemas.microsoft.com/office/drawing/2014/main" xmlns="" id="{F6677D36-B2E2-4DA7-B383-BA295364ACDB}"/>
               </a:ext>
             </a:extLst>
           </p:cNvPr>
@@ -2956,7 +2957,7 @@
           <p:cNvPr id="3" name="Espaço Reservado para Conteúdo 2">
             <a:extLst>
               <a:ext uri="{FF2B5EF4-FFF2-40B4-BE49-F238E27FC236}">
-                <a16:creationId xmlns:a16="http://schemas.microsoft.com/office/drawing/2014/main" id="{06DF492D-A692-49FB-9A99-201E8AF22053}"/>
+                <a16:creationId xmlns:a16="http://schemas.microsoft.com/office/drawing/2014/main" xmlns="" id="{06DF492D-A692-49FB-9A99-201E8AF22053}"/>
               </a:ext>
             </a:extLst>
           </p:cNvPr>
@@ -3049,7 +3050,7 @@
           <p:cNvPr id="4" name="Espaço Reservado para Texto 3">
             <a:extLst>
               <a:ext uri="{FF2B5EF4-FFF2-40B4-BE49-F238E27FC236}">
-                <a16:creationId xmlns:a16="http://schemas.microsoft.com/office/drawing/2014/main" id="{189A4432-F89A-4EE6-9559-A3217995A871}"/>
+                <a16:creationId xmlns:a16="http://schemas.microsoft.com/office/drawing/2014/main" xmlns="" id="{189A4432-F89A-4EE6-9559-A3217995A871}"/>
               </a:ext>
             </a:extLst>
           </p:cNvPr>
@@ -3123,7 +3124,7 @@
           <p:cNvPr id="5" name="Espaço Reservado para Data 4">
             <a:extLst>
               <a:ext uri="{FF2B5EF4-FFF2-40B4-BE49-F238E27FC236}">
-                <a16:creationId xmlns:a16="http://schemas.microsoft.com/office/drawing/2014/main" id="{00A77313-3B44-461B-81F7-26E619AB12B8}"/>
+                <a16:creationId xmlns:a16="http://schemas.microsoft.com/office/drawing/2014/main" xmlns="" id="{00A77313-3B44-461B-81F7-26E619AB12B8}"/>
               </a:ext>
             </a:extLst>
           </p:cNvPr>
@@ -3160,7 +3161,7 @@
           <p:cNvPr id="6" name="Espaço Reservado para Rodapé 5">
             <a:extLst>
               <a:ext uri="{FF2B5EF4-FFF2-40B4-BE49-F238E27FC236}">
-                <a16:creationId xmlns:a16="http://schemas.microsoft.com/office/drawing/2014/main" id="{F9BCEA42-8D20-485B-AF6B-955FAC234AEB}"/>
+                <a16:creationId xmlns:a16="http://schemas.microsoft.com/office/drawing/2014/main" xmlns="" id="{F9BCEA42-8D20-485B-AF6B-955FAC234AEB}"/>
               </a:ext>
             </a:extLst>
           </p:cNvPr>
@@ -3193,7 +3194,7 @@
           <p:cNvPr id="7" name="Espaço Reservado para Número de Slide 6">
             <a:extLst>
               <a:ext uri="{FF2B5EF4-FFF2-40B4-BE49-F238E27FC236}">
-                <a16:creationId xmlns:a16="http://schemas.microsoft.com/office/drawing/2014/main" id="{C6F78563-32D6-4F71-8169-9DCF8EAF7C49}"/>
+                <a16:creationId xmlns:a16="http://schemas.microsoft.com/office/drawing/2014/main" xmlns="" id="{C6F78563-32D6-4F71-8169-9DCF8EAF7C49}"/>
               </a:ext>
             </a:extLst>
           </p:cNvPr>
@@ -3219,7 +3220,7 @@
           <a:p>
             <a:fld id="{58C77F2B-6DD0-408D-B9E5-E7CD3A9F4A53}" type="slidenum">
               <a:rPr lang="pt-BR" smtClean="0"/>
-              <a:t>‹#›</a:t>
+              <a:t>‹nº›</a:t>
             </a:fld>
             <a:endParaRPr lang="pt-BR"/>
           </a:p>
@@ -3260,7 +3261,7 @@
           <p:cNvPr id="2" name="Título 1">
             <a:extLst>
               <a:ext uri="{FF2B5EF4-FFF2-40B4-BE49-F238E27FC236}">
-                <a16:creationId xmlns:a16="http://schemas.microsoft.com/office/drawing/2014/main" id="{E4068F84-F2F2-42D0-B724-E470470F676A}"/>
+                <a16:creationId xmlns:a16="http://schemas.microsoft.com/office/drawing/2014/main" xmlns="" id="{E4068F84-F2F2-42D0-B724-E470470F676A}"/>
               </a:ext>
             </a:extLst>
           </p:cNvPr>
@@ -3300,7 +3301,7 @@
           <p:cNvPr id="3" name="Espaço Reservado para Imagem 2">
             <a:extLst>
               <a:ext uri="{FF2B5EF4-FFF2-40B4-BE49-F238E27FC236}">
-                <a16:creationId xmlns:a16="http://schemas.microsoft.com/office/drawing/2014/main" id="{C7A357B0-D9AA-4F47-B5FB-7509BE158E52}"/>
+                <a16:creationId xmlns:a16="http://schemas.microsoft.com/office/drawing/2014/main" xmlns="" id="{C7A357B0-D9AA-4F47-B5FB-7509BE158E52}"/>
               </a:ext>
             </a:extLst>
           </p:cNvPr>
@@ -3370,7 +3371,7 @@
           <p:cNvPr id="4" name="Espaço Reservado para Texto 3">
             <a:extLst>
               <a:ext uri="{FF2B5EF4-FFF2-40B4-BE49-F238E27FC236}">
-                <a16:creationId xmlns:a16="http://schemas.microsoft.com/office/drawing/2014/main" id="{F4F0BBDB-1991-4EB6-A659-80A7F58E5A09}"/>
+                <a16:creationId xmlns:a16="http://schemas.microsoft.com/office/drawing/2014/main" xmlns="" id="{F4F0BBDB-1991-4EB6-A659-80A7F58E5A09}"/>
               </a:ext>
             </a:extLst>
           </p:cNvPr>
@@ -3444,7 +3445,7 @@
           <p:cNvPr id="5" name="Espaço Reservado para Data 4">
             <a:extLst>
               <a:ext uri="{FF2B5EF4-FFF2-40B4-BE49-F238E27FC236}">
-                <a16:creationId xmlns:a16="http://schemas.microsoft.com/office/drawing/2014/main" id="{D3A69B9A-45B5-4707-94B7-8DA14CAFFAFE}"/>
+                <a16:creationId xmlns:a16="http://schemas.microsoft.com/office/drawing/2014/main" xmlns="" id="{D3A69B9A-45B5-4707-94B7-8DA14CAFFAFE}"/>
               </a:ext>
             </a:extLst>
           </p:cNvPr>
@@ -3481,7 +3482,7 @@
           <p:cNvPr id="6" name="Espaço Reservado para Rodapé 5">
             <a:extLst>
               <a:ext uri="{FF2B5EF4-FFF2-40B4-BE49-F238E27FC236}">
-                <a16:creationId xmlns:a16="http://schemas.microsoft.com/office/drawing/2014/main" id="{2FBF65AA-D30F-4A50-BB00-0CEC89E4685E}"/>
+                <a16:creationId xmlns:a16="http://schemas.microsoft.com/office/drawing/2014/main" xmlns="" id="{2FBF65AA-D30F-4A50-BB00-0CEC89E4685E}"/>
               </a:ext>
             </a:extLst>
           </p:cNvPr>
@@ -3514,7 +3515,7 @@
           <p:cNvPr id="7" name="Espaço Reservado para Número de Slide 6">
             <a:extLst>
               <a:ext uri="{FF2B5EF4-FFF2-40B4-BE49-F238E27FC236}">
-                <a16:creationId xmlns:a16="http://schemas.microsoft.com/office/drawing/2014/main" id="{B49A653C-EFFD-4A2C-A9B0-D5E2407E7F16}"/>
+                <a16:creationId xmlns:a16="http://schemas.microsoft.com/office/drawing/2014/main" xmlns="" id="{B49A653C-EFFD-4A2C-A9B0-D5E2407E7F16}"/>
               </a:ext>
             </a:extLst>
           </p:cNvPr>
@@ -3540,7 +3541,7 @@
           <a:p>
             <a:fld id="{58C77F2B-6DD0-408D-B9E5-E7CD3A9F4A53}" type="slidenum">
               <a:rPr lang="pt-BR" smtClean="0"/>
-              <a:t>‹#›</a:t>
+              <a:t>‹nº›</a:t>
             </a:fld>
             <a:endParaRPr lang="pt-BR"/>
           </a:p>
@@ -3586,7 +3587,7 @@
           <p:cNvPr id="13" name="Imagem 12" descr="Uma imagem contendo texto&#10;&#10;Descrição gerada com muito alta confiança">
             <a:extLst>
               <a:ext uri="{FF2B5EF4-FFF2-40B4-BE49-F238E27FC236}">
-                <a16:creationId xmlns:a16="http://schemas.microsoft.com/office/drawing/2014/main" id="{E4BE7F93-CAAC-4C95-B699-61D9A887DA25}"/>
+                <a16:creationId xmlns:a16="http://schemas.microsoft.com/office/drawing/2014/main" xmlns="" id="{E4BE7F93-CAAC-4C95-B699-61D9A887DA25}"/>
               </a:ext>
             </a:extLst>
           </p:cNvPr>
@@ -3596,7 +3597,7 @@
           <p:nvPr userDrawn="1"/>
         </p:nvPicPr>
         <p:blipFill rotWithShape="1">
-          <a:blip r:embed="rId13">
+          <a:blip r:embed="rId13" cstate="print">
             <a:extLst>
               <a:ext uri="{28A0092B-C50C-407E-A947-70E740481C1C}">
                 <a14:useLocalDpi xmlns:a14="http://schemas.microsoft.com/office/drawing/2010/main" val="0"/>
@@ -3621,7 +3622,7 @@
           <p:cNvPr id="9" name="Rounded Rectangle">
             <a:extLst>
               <a:ext uri="{FF2B5EF4-FFF2-40B4-BE49-F238E27FC236}">
-                <a16:creationId xmlns:a16="http://schemas.microsoft.com/office/drawing/2014/main" id="{76DC4B81-D005-4A6D-AF9D-4A1DEDD9DD6E}"/>
+                <a16:creationId xmlns:a16="http://schemas.microsoft.com/office/drawing/2014/main" xmlns="" id="{76DC4B81-D005-4A6D-AF9D-4A1DEDD9DD6E}"/>
               </a:ext>
             </a:extLst>
           </p:cNvPr>
@@ -3670,7 +3671,7 @@
           <p:cNvPr id="14" name="Imagem 13" descr="Uma imagem contendo objeto&#10;&#10;Descrição gerada com muito alta confiança">
             <a:extLst>
               <a:ext uri="{FF2B5EF4-FFF2-40B4-BE49-F238E27FC236}">
-                <a16:creationId xmlns:a16="http://schemas.microsoft.com/office/drawing/2014/main" id="{7AEB4298-6376-4F0E-9EFE-F1023DEF9CFA}"/>
+                <a16:creationId xmlns:a16="http://schemas.microsoft.com/office/drawing/2014/main" xmlns="" id="{7AEB4298-6376-4F0E-9EFE-F1023DEF9CFA}"/>
               </a:ext>
             </a:extLst>
           </p:cNvPr>
@@ -3680,7 +3681,7 @@
           <p:nvPr userDrawn="1"/>
         </p:nvPicPr>
         <p:blipFill>
-          <a:blip r:embed="rId14">
+          <a:blip r:embed="rId14" cstate="print">
             <a:extLst>
               <a:ext uri="{28A0092B-C50C-407E-A947-70E740481C1C}">
                 <a14:useLocalDpi xmlns:a14="http://schemas.microsoft.com/office/drawing/2010/main" val="0"/>
@@ -4027,7 +4028,7 @@
           <p:cNvPr id="3" name="Imagem 2" descr="Uma imagem contendo texto&#10;&#10;Descrição gerada com muito alta confiança">
             <a:extLst>
               <a:ext uri="{FF2B5EF4-FFF2-40B4-BE49-F238E27FC236}">
-                <a16:creationId xmlns:a16="http://schemas.microsoft.com/office/drawing/2014/main" id="{35B6D676-79FE-4579-B366-F2573F15F42D}"/>
+                <a16:creationId xmlns:a16="http://schemas.microsoft.com/office/drawing/2014/main" xmlns="" id="{35B6D676-79FE-4579-B366-F2573F15F42D}"/>
               </a:ext>
             </a:extLst>
           </p:cNvPr>
@@ -4037,7 +4038,7 @@
           <p:nvPr/>
         </p:nvPicPr>
         <p:blipFill>
-          <a:blip r:embed="rId2">
+          <a:blip r:embed="rId2" cstate="print">
             <a:extLst>
               <a:ext uri="{28A0092B-C50C-407E-A947-70E740481C1C}">
                 <a14:useLocalDpi xmlns:a14="http://schemas.microsoft.com/office/drawing/2010/main" val="0"/>
@@ -4063,7 +4064,7 @@
           <p:cNvPr id="6" name="Imagem 5" descr="Uma imagem contendo objeto&#10;&#10;Descrição gerada com muito alta confiança">
             <a:extLst>
               <a:ext uri="{FF2B5EF4-FFF2-40B4-BE49-F238E27FC236}">
-                <a16:creationId xmlns:a16="http://schemas.microsoft.com/office/drawing/2014/main" id="{1C7AFA52-9C6D-46D1-A49B-7D58F3950A79}"/>
+                <a16:creationId xmlns:a16="http://schemas.microsoft.com/office/drawing/2014/main" xmlns="" id="{1C7AFA52-9C6D-46D1-A49B-7D58F3950A79}"/>
               </a:ext>
             </a:extLst>
           </p:cNvPr>
@@ -4073,7 +4074,7 @@
           <p:nvPr/>
         </p:nvPicPr>
         <p:blipFill>
-          <a:blip r:embed="rId3">
+          <a:blip r:embed="rId3" cstate="print">
             <a:extLst>
               <a:ext uri="{28A0092B-C50C-407E-A947-70E740481C1C}">
                 <a14:useLocalDpi xmlns:a14="http://schemas.microsoft.com/office/drawing/2010/main" val="0"/>
@@ -4104,6 +4105,13 @@
   <p:clrMapOvr>
     <a:masterClrMapping/>
   </p:clrMapOvr>
+  <p:timing>
+    <p:tnLst>
+      <p:par>
+        <p:cTn id="1" dur="indefinite" restart="never" nodeType="tmRoot"/>
+      </p:par>
+    </p:tnLst>
+  </p:timing>
 </p:sld>
 </file>
 
@@ -4129,7 +4137,7 @@
           <p:cNvPr id="11" name="Cartilha de…">
             <a:extLst>
               <a:ext uri="{FF2B5EF4-FFF2-40B4-BE49-F238E27FC236}">
-                <a16:creationId xmlns:a16="http://schemas.microsoft.com/office/drawing/2014/main" id="{20885346-5B82-4DA9-B1FD-FF8271E7DD53}"/>
+                <a16:creationId xmlns:a16="http://schemas.microsoft.com/office/drawing/2014/main" xmlns="" id="{20885346-5B82-4DA9-B1FD-FF8271E7DD53}"/>
               </a:ext>
             </a:extLst>
           </p:cNvPr>
@@ -4149,7 +4157,7 @@
           </a:ln>
           <a:extLst>
             <a:ext uri="{C572A759-6A51-4108-AA02-DFA0A04FC94B}">
-              <ma14:wrappingTextBoxFlag xmlns="" xmlns:ma14="http://schemas.microsoft.com/office/mac/drawingml/2011/main" val="1"/>
+              <ma14:wrappingTextBoxFlag xmlns:ma14="http://schemas.microsoft.com/office/mac/drawingml/2011/main" xmlns="" val="1"/>
             </a:ext>
           </a:extLst>
         </p:spPr>
@@ -4209,7 +4217,7 @@
           <p:cNvPr id="13" name="Rounded Rectangle">
             <a:extLst>
               <a:ext uri="{FF2B5EF4-FFF2-40B4-BE49-F238E27FC236}">
-                <a16:creationId xmlns:a16="http://schemas.microsoft.com/office/drawing/2014/main" id="{0A2672FB-F31A-4045-9ED5-01430208380C}"/>
+                <a16:creationId xmlns:a16="http://schemas.microsoft.com/office/drawing/2014/main" xmlns="" id="{0A2672FB-F31A-4045-9ED5-01430208380C}"/>
               </a:ext>
             </a:extLst>
           </p:cNvPr>
@@ -4258,7 +4266,7 @@
           <p:cNvPr id="14" name="03">
             <a:extLst>
               <a:ext uri="{FF2B5EF4-FFF2-40B4-BE49-F238E27FC236}">
-                <a16:creationId xmlns:a16="http://schemas.microsoft.com/office/drawing/2014/main" id="{4A61FD1A-E8B7-4C70-B541-8DE874492E4B}"/>
+                <a16:creationId xmlns:a16="http://schemas.microsoft.com/office/drawing/2014/main" xmlns="" id="{4A61FD1A-E8B7-4C70-B541-8DE874492E4B}"/>
               </a:ext>
             </a:extLst>
           </p:cNvPr>
@@ -4283,7 +4291,7 @@
           </a:ln>
           <a:extLst>
             <a:ext uri="{C572A759-6A51-4108-AA02-DFA0A04FC94B}">
-              <ma14:wrappingTextBoxFlag xmlns="" xmlns:ma14="http://schemas.microsoft.com/office/mac/drawingml/2011/main" val="1"/>
+              <ma14:wrappingTextBoxFlag xmlns:ma14="http://schemas.microsoft.com/office/mac/drawingml/2011/main" xmlns="" val="1"/>
             </a:ext>
           </a:extLst>
         </p:spPr>
@@ -4305,7 +4313,7 @@
                   <a:schemeClr val="bg1"/>
                 </a:solidFill>
               </a:rPr>
-              <a:t>07</a:t>
+              <a:t>06</a:t>
             </a:r>
             <a:endParaRPr sz="900" dirty="0">
               <a:solidFill>
@@ -4317,10 +4325,10 @@
       </p:sp>
       <p:sp>
         <p:nvSpPr>
-          <p:cNvPr id="6" name="TextBox 5">
-            <a:extLst>
-              <a:ext uri="{FF2B5EF4-FFF2-40B4-BE49-F238E27FC236}">
-                <a16:creationId xmlns:a16="http://schemas.microsoft.com/office/drawing/2014/main" id="{B194932A-33AD-4E9B-AF95-1F99C358ACE4}"/>
+          <p:cNvPr id="5" name="TextBox 4">
+            <a:extLst>
+              <a:ext uri="{FF2B5EF4-FFF2-40B4-BE49-F238E27FC236}">
+                <a16:creationId xmlns:a16="http://schemas.microsoft.com/office/drawing/2014/main" xmlns="" id="{CE6A4181-5EF2-4748-A1FA-EE7FD057B5AD}"/>
               </a:ext>
             </a:extLst>
           </p:cNvPr>
@@ -4329,8 +4337,8 @@
         </p:nvSpPr>
         <p:spPr>
           <a:xfrm>
-            <a:off x="103991" y="807719"/>
-            <a:ext cx="3640693" cy="830997"/>
+            <a:off x="45935" y="749663"/>
+            <a:ext cx="11059886" cy="1015663"/>
           </a:xfrm>
           <a:prstGeom prst="rect">
             <a:avLst/>
@@ -4343,103 +4351,70 @@
           </a:bodyPr>
           <a:lstStyle/>
           <a:p>
-            <a:r>
-              <a:rPr lang="pt-BR" sz="4800" dirty="0">
+            <a:pPr algn="ctr"/>
+            <a:r>
+              <a:rPr lang="pt-BR" sz="6000" dirty="0">
                 <a:latin typeface="Microsoft JhengHei" panose="020B0604030504040204" pitchFamily="34" charset="-120"/>
                 <a:ea typeface="Microsoft JhengHei" panose="020B0604030504040204" pitchFamily="34" charset="-120"/>
               </a:rPr>
-              <a:t>GitHub</a:t>
-            </a:r>
-          </a:p>
-        </p:txBody>
-      </p:sp>
-      <p:sp>
-        <p:nvSpPr>
-          <p:cNvPr id="4" name="TextBox 3">
-            <a:extLst>
-              <a:ext uri="{FF2B5EF4-FFF2-40B4-BE49-F238E27FC236}">
-                <a16:creationId xmlns:a16="http://schemas.microsoft.com/office/drawing/2014/main" id="{EFB8BB35-0FD3-4722-8646-7C77860E0325}"/>
-              </a:ext>
-            </a:extLst>
-          </p:cNvPr>
-          <p:cNvSpPr txBox="1"/>
+              <a:t>HORA DO SHOW... BIIIIRL!</a:t>
+            </a:r>
+          </a:p>
+        </p:txBody>
+      </p:sp>
+      <p:pic>
+        <p:nvPicPr>
+          <p:cNvPr id="4" name="Picture 3">
+            <a:extLst>
+              <a:ext uri="{FF2B5EF4-FFF2-40B4-BE49-F238E27FC236}">
+                <a16:creationId xmlns:a16="http://schemas.microsoft.com/office/drawing/2014/main" xmlns="" id="{60C1700C-0D72-4146-8C25-58215F9E2E4A}"/>
+              </a:ext>
+            </a:extLst>
+          </p:cNvPr>
+          <p:cNvPicPr>
+            <a:picLocks noChangeAspect="1"/>
+          </p:cNvPicPr>
           <p:nvPr/>
-        </p:nvSpPr>
-        <p:spPr>
-          <a:xfrm>
-            <a:off x="162369" y="1769342"/>
-            <a:ext cx="10853974" cy="1107996"/>
-          </a:xfrm>
-          <a:prstGeom prst="rect">
-            <a:avLst/>
-          </a:prstGeom>
-          <a:noFill/>
-        </p:spPr>
-        <p:txBody>
-          <a:bodyPr wrap="square" rtlCol="0">
-            <a:spAutoFit/>
-          </a:bodyPr>
-          <a:lstStyle/>
-          <a:p>
-            <a:r>
-              <a:rPr lang="en-US" sz="2200" dirty="0">
-                <a:latin typeface="Microsoft JhengHei" panose="020B0604030504040204" pitchFamily="34" charset="-120"/>
-                <a:ea typeface="Microsoft JhengHei" panose="020B0604030504040204" pitchFamily="34" charset="-120"/>
-              </a:rPr>
-              <a:t>Carlos Augusto: </a:t>
-            </a:r>
-            <a:r>
-              <a:rPr lang="en-US" sz="2200" dirty="0">
-                <a:latin typeface="Microsoft JhengHei" panose="020B0604030504040204" pitchFamily="34" charset="-120"/>
-                <a:ea typeface="Microsoft JhengHei" panose="020B0604030504040204" pitchFamily="34" charset="-120"/>
-                <a:hlinkClick r:id="rId2"/>
-              </a:rPr>
-              <a:t>https://github.com/Carlos-Riibeiro/WizTechDay</a:t>
-            </a:r>
-            <a:endParaRPr lang="en-US" sz="2200" dirty="0">
-              <a:latin typeface="Microsoft JhengHei" panose="020B0604030504040204" pitchFamily="34" charset="-120"/>
-              <a:ea typeface="Microsoft JhengHei" panose="020B0604030504040204" pitchFamily="34" charset="-120"/>
-            </a:endParaRPr>
-          </a:p>
-          <a:p>
-            <a:br>
-              <a:rPr lang="en-US" sz="2200" dirty="0">
-                <a:latin typeface="Microsoft JhengHei" panose="020B0604030504040204" pitchFamily="34" charset="-120"/>
-                <a:ea typeface="Microsoft JhengHei" panose="020B0604030504040204" pitchFamily="34" charset="-120"/>
-              </a:rPr>
-            </a:br>
-            <a:r>
-              <a:rPr lang="en-US" sz="2200" dirty="0">
-                <a:latin typeface="Microsoft JhengHei" panose="020B0604030504040204" pitchFamily="34" charset="-120"/>
-                <a:ea typeface="Microsoft JhengHei" panose="020B0604030504040204" pitchFamily="34" charset="-120"/>
-              </a:rPr>
-              <a:t>Yago Luiz: </a:t>
-            </a:r>
-            <a:r>
-              <a:rPr lang="en-US" sz="2200" dirty="0">
-                <a:latin typeface="Microsoft JhengHei" panose="020B0604030504040204" pitchFamily="34" charset="-120"/>
-                <a:ea typeface="Microsoft JhengHei" panose="020B0604030504040204" pitchFamily="34" charset="-120"/>
-                <a:hlinkClick r:id="rId3"/>
-              </a:rPr>
-              <a:t>https://github.com/yagoluiz</a:t>
-            </a:r>
-            <a:endParaRPr lang="en-US" sz="2200" dirty="0">
-              <a:latin typeface="Microsoft JhengHei" panose="020B0604030504040204" pitchFamily="34" charset="-120"/>
-              <a:ea typeface="Microsoft JhengHei" panose="020B0604030504040204" pitchFamily="34" charset="-120"/>
-            </a:endParaRPr>
-          </a:p>
-        </p:txBody>
-      </p:sp>
+        </p:nvPicPr>
+        <p:blipFill>
+          <a:blip r:embed="rId2">
+            <a:extLst>
+              <a:ext uri="{28A0092B-C50C-407E-A947-70E740481C1C}">
+                <a14:useLocalDpi xmlns:a14="http://schemas.microsoft.com/office/drawing/2010/main" val="0"/>
+              </a:ext>
+            </a:extLst>
+          </a:blip>
+          <a:stretch>
+            <a:fillRect/>
+          </a:stretch>
+        </p:blipFill>
+        <p:spPr>
+          <a:xfrm>
+            <a:off x="1776194" y="1765326"/>
+            <a:ext cx="7803235" cy="4810214"/>
+          </a:xfrm>
+          <a:prstGeom prst="rect">
+            <a:avLst/>
+          </a:prstGeom>
+        </p:spPr>
+      </p:pic>
     </p:spTree>
     <p:extLst>
       <p:ext uri="{BB962C8B-B14F-4D97-AF65-F5344CB8AC3E}">
-        <p14:creationId xmlns:p14="http://schemas.microsoft.com/office/powerpoint/2010/main" val="219989201"/>
+        <p14:creationId xmlns:p14="http://schemas.microsoft.com/office/powerpoint/2010/main" val="811678892"/>
       </p:ext>
     </p:extLst>
   </p:cSld>
   <p:clrMapOvr>
     <a:masterClrMapping/>
   </p:clrMapOvr>
+  <p:timing>
+    <p:tnLst>
+      <p:par>
+        <p:cTn id="1" dur="indefinite" restart="never" nodeType="tmRoot"/>
+      </p:par>
+    </p:tnLst>
+  </p:timing>
 </p:sld>
 </file>
 
@@ -4465,7 +4440,7 @@
           <p:cNvPr id="11" name="Cartilha de…">
             <a:extLst>
               <a:ext uri="{FF2B5EF4-FFF2-40B4-BE49-F238E27FC236}">
-                <a16:creationId xmlns:a16="http://schemas.microsoft.com/office/drawing/2014/main" id="{20885346-5B82-4DA9-B1FD-FF8271E7DD53}"/>
+                <a16:creationId xmlns:a16="http://schemas.microsoft.com/office/drawing/2014/main" xmlns="" id="{20885346-5B82-4DA9-B1FD-FF8271E7DD53}"/>
               </a:ext>
             </a:extLst>
           </p:cNvPr>
@@ -4485,7 +4460,7 @@
           </a:ln>
           <a:extLst>
             <a:ext uri="{C572A759-6A51-4108-AA02-DFA0A04FC94B}">
-              <ma14:wrappingTextBoxFlag xmlns="" xmlns:ma14="http://schemas.microsoft.com/office/mac/drawingml/2011/main" val="1"/>
+              <ma14:wrappingTextBoxFlag xmlns:ma14="http://schemas.microsoft.com/office/mac/drawingml/2011/main" xmlns="" val="1"/>
             </a:ext>
           </a:extLst>
         </p:spPr>
@@ -4545,7 +4520,7 @@
           <p:cNvPr id="13" name="Rounded Rectangle">
             <a:extLst>
               <a:ext uri="{FF2B5EF4-FFF2-40B4-BE49-F238E27FC236}">
-                <a16:creationId xmlns:a16="http://schemas.microsoft.com/office/drawing/2014/main" id="{0A2672FB-F31A-4045-9ED5-01430208380C}"/>
+                <a16:creationId xmlns:a16="http://schemas.microsoft.com/office/drawing/2014/main" xmlns="" id="{0A2672FB-F31A-4045-9ED5-01430208380C}"/>
               </a:ext>
             </a:extLst>
           </p:cNvPr>
@@ -4594,7 +4569,7 @@
           <p:cNvPr id="14" name="03">
             <a:extLst>
               <a:ext uri="{FF2B5EF4-FFF2-40B4-BE49-F238E27FC236}">
-                <a16:creationId xmlns:a16="http://schemas.microsoft.com/office/drawing/2014/main" id="{4A61FD1A-E8B7-4C70-B541-8DE874492E4B}"/>
+                <a16:creationId xmlns:a16="http://schemas.microsoft.com/office/drawing/2014/main" xmlns="" id="{4A61FD1A-E8B7-4C70-B541-8DE874492E4B}"/>
               </a:ext>
             </a:extLst>
           </p:cNvPr>
@@ -4619,7 +4594,7 @@
           </a:ln>
           <a:extLst>
             <a:ext uri="{C572A759-6A51-4108-AA02-DFA0A04FC94B}">
-              <ma14:wrappingTextBoxFlag xmlns="" xmlns:ma14="http://schemas.microsoft.com/office/mac/drawingml/2011/main" val="1"/>
+              <ma14:wrappingTextBoxFlag xmlns:ma14="http://schemas.microsoft.com/office/mac/drawingml/2011/main" xmlns="" val="1"/>
             </a:ext>
           </a:extLst>
         </p:spPr>
@@ -4641,7 +4616,7 @@
                   <a:schemeClr val="bg1"/>
                 </a:solidFill>
               </a:rPr>
-              <a:t>08</a:t>
+              <a:t>07</a:t>
             </a:r>
             <a:endParaRPr sz="900" dirty="0">
               <a:solidFill>
@@ -4656,7 +4631,7 @@
           <p:cNvPr id="6" name="TextBox 5">
             <a:extLst>
               <a:ext uri="{FF2B5EF4-FFF2-40B4-BE49-F238E27FC236}">
-                <a16:creationId xmlns:a16="http://schemas.microsoft.com/office/drawing/2014/main" id="{B194932A-33AD-4E9B-AF95-1F99C358ACE4}"/>
+                <a16:creationId xmlns:a16="http://schemas.microsoft.com/office/drawing/2014/main" xmlns="" id="{B194932A-33AD-4E9B-AF95-1F99C358ACE4}"/>
               </a:ext>
             </a:extLst>
           </p:cNvPr>
@@ -4684,7 +4659,7 @@
                 <a:latin typeface="Microsoft JhengHei" panose="020B0604030504040204" pitchFamily="34" charset="-120"/>
                 <a:ea typeface="Microsoft JhengHei" panose="020B0604030504040204" pitchFamily="34" charset="-120"/>
               </a:rPr>
-              <a:t>Referências</a:t>
+              <a:t>GitHub</a:t>
             </a:r>
           </a:p>
         </p:txBody>
@@ -4694,7 +4669,7 @@
           <p:cNvPr id="4" name="TextBox 3">
             <a:extLst>
               <a:ext uri="{FF2B5EF4-FFF2-40B4-BE49-F238E27FC236}">
-                <a16:creationId xmlns:a16="http://schemas.microsoft.com/office/drawing/2014/main" id="{EFB8BB35-0FD3-4722-8646-7C77860E0325}"/>
+                <a16:creationId xmlns:a16="http://schemas.microsoft.com/office/drawing/2014/main" xmlns="" id="{EFB8BB35-0FD3-4722-8646-7C77860E0325}"/>
               </a:ext>
             </a:extLst>
           </p:cNvPr>
@@ -4703,8 +4678,8 @@
         </p:nvSpPr>
         <p:spPr>
           <a:xfrm>
-            <a:off x="162369" y="1667744"/>
-            <a:ext cx="10853974" cy="4832092"/>
+            <a:off x="162369" y="1769342"/>
+            <a:ext cx="10853974" cy="1107996"/>
           </a:xfrm>
           <a:prstGeom prst="rect">
             <a:avLst/>
@@ -4717,13 +4692,33 @@
           </a:bodyPr>
           <a:lstStyle/>
           <a:p>
+            <a:r>
+              <a:rPr lang="en-US" sz="2200" dirty="0">
+                <a:latin typeface="Microsoft JhengHei" panose="020B0604030504040204" pitchFamily="34" charset="-120"/>
+                <a:ea typeface="Microsoft JhengHei" panose="020B0604030504040204" pitchFamily="34" charset="-120"/>
+              </a:rPr>
+              <a:t>Carlos Augusto: </a:t>
+            </a:r>
             <a:r>
               <a:rPr lang="en-US" sz="2200" dirty="0">
                 <a:latin typeface="Microsoft JhengHei" panose="020B0604030504040204" pitchFamily="34" charset="-120"/>
                 <a:ea typeface="Microsoft JhengHei" panose="020B0604030504040204" pitchFamily="34" charset="-120"/>
                 <a:hlinkClick r:id="rId2"/>
               </a:rPr>
-              <a:t>https://docs.microsoft.com/en-us/aspnet/core/mvc/controllers/testing?view=aspnetcore-2.2</a:t>
+              <a:t>https://github.com/Carlos-Riibeiro/WizTechDay</a:t>
+            </a:r>
+            <a:endParaRPr lang="en-US" sz="2200" dirty="0">
+              <a:latin typeface="Microsoft JhengHei" panose="020B0604030504040204" pitchFamily="34" charset="-120"/>
+              <a:ea typeface="Microsoft JhengHei" panose="020B0604030504040204" pitchFamily="34" charset="-120"/>
+            </a:endParaRPr>
+          </a:p>
+          <a:p>
+            <a:r>
+              <a:rPr lang="en-US" sz="2200" dirty="0">
+                <a:latin typeface="Microsoft JhengHei" panose="020B0604030504040204" pitchFamily="34" charset="-120"/>
+                <a:ea typeface="Microsoft JhengHei" panose="020B0604030504040204" pitchFamily="34" charset="-120"/>
+              </a:rPr>
+              <a:t/>
             </a:r>
             <a:br>
               <a:rPr lang="en-US" sz="2200" dirty="0">
@@ -4735,95 +4730,18 @@
               <a:rPr lang="en-US" sz="2200" dirty="0">
                 <a:latin typeface="Microsoft JhengHei" panose="020B0604030504040204" pitchFamily="34" charset="-120"/>
                 <a:ea typeface="Microsoft JhengHei" panose="020B0604030504040204" pitchFamily="34" charset="-120"/>
-                <a:hlinkClick r:id="rId3"/>
-              </a:rPr>
-              <a:t>https://docs.microsoft.com/en-us/aspnet/core/test/integration-tests?view=aspnetcore-2.2</a:t>
-            </a:r>
-            <a:br>
+              </a:rPr>
+              <a:t>Yago Luiz: </a:t>
+            </a:r>
+            <a:r>
               <a:rPr lang="en-US" sz="2200" dirty="0">
                 <a:latin typeface="Microsoft JhengHei" panose="020B0604030504040204" pitchFamily="34" charset="-120"/>
                 <a:ea typeface="Microsoft JhengHei" panose="020B0604030504040204" pitchFamily="34" charset="-120"/>
-              </a:rPr>
-            </a:br>
-            <a:r>
-              <a:rPr lang="en-US" sz="2200" dirty="0">
-                <a:latin typeface="Microsoft JhengHei" panose="020B0604030504040204" pitchFamily="34" charset="-120"/>
-                <a:ea typeface="Microsoft JhengHei" panose="020B0604030504040204" pitchFamily="34" charset="-120"/>
-                <a:hlinkClick r:id="rId4"/>
-              </a:rPr>
-              <a:t>https://docs.microsoft.com/en-us/dotnet/standard/microservices-architecture/microservice-ddd-cqrs-patterns/net-core-microservice-domain-model</a:t>
-            </a:r>
-            <a:br>
-              <a:rPr lang="en-US" sz="2200" dirty="0">
-                <a:latin typeface="Microsoft JhengHei" panose="020B0604030504040204" pitchFamily="34" charset="-120"/>
-                <a:ea typeface="Microsoft JhengHei" panose="020B0604030504040204" pitchFamily="34" charset="-120"/>
-              </a:rPr>
-            </a:br>
-            <a:r>
-              <a:rPr lang="en-US" sz="2200" dirty="0">
-                <a:latin typeface="Microsoft JhengHei" panose="020B0604030504040204" pitchFamily="34" charset="-120"/>
-                <a:ea typeface="Microsoft JhengHei" panose="020B0604030504040204" pitchFamily="34" charset="-120"/>
-                <a:hlinkClick r:id="rId5"/>
-              </a:rPr>
-              <a:t>https://www.devmedia.com.br/desing-patterns-na-pratica-desvendando-o-builder-parte-2/14743</a:t>
-            </a:r>
-            <a:br>
-              <a:rPr lang="en-US" sz="2200" dirty="0">
-                <a:latin typeface="Microsoft JhengHei" panose="020B0604030504040204" pitchFamily="34" charset="-120"/>
-                <a:ea typeface="Microsoft JhengHei" panose="020B0604030504040204" pitchFamily="34" charset="-120"/>
-              </a:rPr>
-            </a:br>
-            <a:r>
-              <a:rPr lang="en-US" sz="2200" dirty="0">
-                <a:latin typeface="Microsoft JhengHei" panose="020B0604030504040204" pitchFamily="34" charset="-120"/>
-                <a:ea typeface="Microsoft JhengHei" panose="020B0604030504040204" pitchFamily="34" charset="-120"/>
-                <a:hlinkClick r:id="rId6"/>
-              </a:rPr>
-              <a:t>https://medium.com/@pjbgf/asserting-equality-in-your-c-unit-tests-837b423024bf</a:t>
-            </a:r>
-            <a:br>
-              <a:rPr lang="en-US" sz="2200" dirty="0">
-                <a:latin typeface="Microsoft JhengHei" panose="020B0604030504040204" pitchFamily="34" charset="-120"/>
-                <a:ea typeface="Microsoft JhengHei" panose="020B0604030504040204" pitchFamily="34" charset="-120"/>
-              </a:rPr>
-            </a:br>
-            <a:r>
-              <a:rPr lang="en-US" sz="2200" dirty="0">
-                <a:latin typeface="Microsoft JhengHei" panose="020B0604030504040204" pitchFamily="34" charset="-120"/>
-                <a:ea typeface="Microsoft JhengHei" panose="020B0604030504040204" pitchFamily="34" charset="-120"/>
-                <a:hlinkClick r:id="rId7"/>
-              </a:rPr>
-              <a:t>https://github.com/bchavez/Bogus</a:t>
-            </a:r>
-            <a:br>
-              <a:rPr lang="en-US" sz="2200" dirty="0">
-                <a:latin typeface="Microsoft JhengHei" panose="020B0604030504040204" pitchFamily="34" charset="-120"/>
-                <a:ea typeface="Microsoft JhengHei" panose="020B0604030504040204" pitchFamily="34" charset="-120"/>
-              </a:rPr>
-            </a:br>
-            <a:r>
-              <a:rPr lang="en-US" sz="2200" dirty="0">
-                <a:latin typeface="Microsoft JhengHei" panose="020B0604030504040204" pitchFamily="34" charset="-120"/>
-                <a:ea typeface="Microsoft JhengHei" panose="020B0604030504040204" pitchFamily="34" charset="-120"/>
-                <a:hlinkClick r:id="rId8"/>
-              </a:rPr>
-              <a:t>https://github.com/moq/moq4</a:t>
-            </a:r>
-            <a:br>
-              <a:rPr lang="en-US" sz="2200" dirty="0">
-                <a:latin typeface="Microsoft JhengHei" panose="020B0604030504040204" pitchFamily="34" charset="-120"/>
-                <a:ea typeface="Microsoft JhengHei" panose="020B0604030504040204" pitchFamily="34" charset="-120"/>
-              </a:rPr>
-            </a:br>
-            <a:r>
-              <a:rPr lang="en-US" sz="2200" dirty="0">
-                <a:latin typeface="Microsoft JhengHei" panose="020B0604030504040204" pitchFamily="34" charset="-120"/>
-                <a:ea typeface="Microsoft JhengHei" panose="020B0604030504040204" pitchFamily="34" charset="-120"/>
-                <a:hlinkClick r:id="rId9"/>
-              </a:rPr>
-              <a:t>https://github.com/DevExpress/testcafe</a:t>
-            </a:r>
-            <a:endParaRPr lang="pt-BR" sz="2200" dirty="0">
+                <a:hlinkClick r:id="rId3"/>
+              </a:rPr>
+              <a:t>https://github.com/yagoluiz</a:t>
+            </a:r>
+            <a:endParaRPr lang="en-US" sz="2200" dirty="0">
               <a:latin typeface="Microsoft JhengHei" panose="020B0604030504040204" pitchFamily="34" charset="-120"/>
               <a:ea typeface="Microsoft JhengHei" panose="020B0604030504040204" pitchFamily="34" charset="-120"/>
             </a:endParaRPr>
@@ -4833,13 +4751,20 @@
     </p:spTree>
     <p:extLst>
       <p:ext uri="{BB962C8B-B14F-4D97-AF65-F5344CB8AC3E}">
-        <p14:creationId xmlns:p14="http://schemas.microsoft.com/office/powerpoint/2010/main" val="2857479145"/>
+        <p14:creationId xmlns:p14="http://schemas.microsoft.com/office/powerpoint/2010/main" val="219989201"/>
       </p:ext>
     </p:extLst>
   </p:cSld>
   <p:clrMapOvr>
     <a:masterClrMapping/>
   </p:clrMapOvr>
+  <p:timing>
+    <p:tnLst>
+      <p:par>
+        <p:cTn id="1" dur="indefinite" restart="never" nodeType="tmRoot"/>
+      </p:par>
+    </p:tnLst>
+  </p:timing>
 </p:sld>
 </file>
 
@@ -4865,7 +4790,7 @@
           <p:cNvPr id="11" name="Cartilha de…">
             <a:extLst>
               <a:ext uri="{FF2B5EF4-FFF2-40B4-BE49-F238E27FC236}">
-                <a16:creationId xmlns:a16="http://schemas.microsoft.com/office/drawing/2014/main" id="{20885346-5B82-4DA9-B1FD-FF8271E7DD53}"/>
+                <a16:creationId xmlns:a16="http://schemas.microsoft.com/office/drawing/2014/main" xmlns="" id="{20885346-5B82-4DA9-B1FD-FF8271E7DD53}"/>
               </a:ext>
             </a:extLst>
           </p:cNvPr>
@@ -4885,7 +4810,7 @@
           </a:ln>
           <a:extLst>
             <a:ext uri="{C572A759-6A51-4108-AA02-DFA0A04FC94B}">
-              <ma14:wrappingTextBoxFlag xmlns="" xmlns:ma14="http://schemas.microsoft.com/office/mac/drawingml/2011/main" val="1"/>
+              <ma14:wrappingTextBoxFlag xmlns:ma14="http://schemas.microsoft.com/office/mac/drawingml/2011/main" xmlns="" val="1"/>
             </a:ext>
           </a:extLst>
         </p:spPr>
@@ -4945,7 +4870,7 @@
           <p:cNvPr id="13" name="Rounded Rectangle">
             <a:extLst>
               <a:ext uri="{FF2B5EF4-FFF2-40B4-BE49-F238E27FC236}">
-                <a16:creationId xmlns:a16="http://schemas.microsoft.com/office/drawing/2014/main" id="{0A2672FB-F31A-4045-9ED5-01430208380C}"/>
+                <a16:creationId xmlns:a16="http://schemas.microsoft.com/office/drawing/2014/main" xmlns="" id="{0A2672FB-F31A-4045-9ED5-01430208380C}"/>
               </a:ext>
             </a:extLst>
           </p:cNvPr>
@@ -4991,10 +4916,72 @@
       </p:sp>
       <p:sp>
         <p:nvSpPr>
-          <p:cNvPr id="2" name="TextBox 1">
-            <a:extLst>
-              <a:ext uri="{FF2B5EF4-FFF2-40B4-BE49-F238E27FC236}">
-                <a16:creationId xmlns:a16="http://schemas.microsoft.com/office/drawing/2014/main" id="{02224CDE-805E-4973-8ED0-96404698A133}"/>
+          <p:cNvPr id="14" name="03">
+            <a:extLst>
+              <a:ext uri="{FF2B5EF4-FFF2-40B4-BE49-F238E27FC236}">
+                <a16:creationId xmlns:a16="http://schemas.microsoft.com/office/drawing/2014/main" xmlns="" id="{4A61FD1A-E8B7-4C70-B541-8DE874492E4B}"/>
+              </a:ext>
+            </a:extLst>
+          </p:cNvPr>
+          <p:cNvSpPr/>
+          <p:nvPr/>
+        </p:nvSpPr>
+        <p:spPr>
+          <a:xfrm>
+            <a:off x="162369" y="296113"/>
+            <a:ext cx="307499" cy="282908"/>
+          </a:xfrm>
+          <a:prstGeom prst="roundRect">
+            <a:avLst>
+              <a:gd name="adj" fmla="val 29717"/>
+            </a:avLst>
+          </a:prstGeom>
+          <a:solidFill>
+            <a:srgbClr val="0070C0"/>
+          </a:solidFill>
+          <a:ln w="12700">
+            <a:miter lim="400000"/>
+          </a:ln>
+          <a:extLst>
+            <a:ext uri="{C572A759-6A51-4108-AA02-DFA0A04FC94B}">
+              <ma14:wrappingTextBoxFlag xmlns:ma14="http://schemas.microsoft.com/office/mac/drawingml/2011/main" xmlns="" val="1"/>
+            </a:ext>
+          </a:extLst>
+        </p:spPr>
+        <p:txBody>
+          <a:bodyPr lIns="71437" tIns="71437" rIns="71437" bIns="71437" anchor="ctr"/>
+          <a:lstStyle>
+            <a:lvl1pPr>
+              <a:defRPr sz="2500">
+                <a:solidFill>
+                  <a:srgbClr val="5E5E5E"/>
+                </a:solidFill>
+              </a:defRPr>
+            </a:lvl1pPr>
+          </a:lstStyle>
+          <a:p>
+            <a:r>
+              <a:rPr lang="pt-BR" sz="900" dirty="0">
+                <a:solidFill>
+                  <a:schemeClr val="bg1"/>
+                </a:solidFill>
+              </a:rPr>
+              <a:t>08</a:t>
+            </a:r>
+            <a:endParaRPr sz="900" dirty="0">
+              <a:solidFill>
+                <a:schemeClr val="bg1"/>
+              </a:solidFill>
+            </a:endParaRPr>
+          </a:p>
+        </p:txBody>
+      </p:sp>
+      <p:sp>
+        <p:nvSpPr>
+          <p:cNvPr id="6" name="TextBox 5">
+            <a:extLst>
+              <a:ext uri="{FF2B5EF4-FFF2-40B4-BE49-F238E27FC236}">
+                <a16:creationId xmlns:a16="http://schemas.microsoft.com/office/drawing/2014/main" xmlns="" id="{B194932A-33AD-4E9B-AF95-1F99C358ACE4}"/>
               </a:ext>
             </a:extLst>
           </p:cNvPr>
@@ -5003,8 +4990,8 @@
         </p:nvSpPr>
         <p:spPr>
           <a:xfrm>
-            <a:off x="1859796" y="2292974"/>
-            <a:ext cx="8152109" cy="1323439"/>
+            <a:off x="103991" y="807719"/>
+            <a:ext cx="3640693" cy="830997"/>
           </a:xfrm>
           <a:prstGeom prst="rect">
             <a:avLst/>
@@ -5017,27 +5004,223 @@
           </a:bodyPr>
           <a:lstStyle/>
           <a:p>
-            <a:pPr algn="ctr"/>
-            <a:r>
-              <a:rPr lang="pt-BR" sz="8000" dirty="0">
+            <a:r>
+              <a:rPr lang="pt-BR" sz="4800" dirty="0">
                 <a:latin typeface="Microsoft JhengHei" panose="020B0604030504040204" pitchFamily="34" charset="-120"/>
                 <a:ea typeface="Microsoft JhengHei" panose="020B0604030504040204" pitchFamily="34" charset="-120"/>
               </a:rPr>
-              <a:t>Obrigado!</a:t>
-            </a:r>
+              <a:t>Referências</a:t>
+            </a:r>
+          </a:p>
+        </p:txBody>
+      </p:sp>
+      <p:sp>
+        <p:nvSpPr>
+          <p:cNvPr id="4" name="TextBox 3">
+            <a:extLst>
+              <a:ext uri="{FF2B5EF4-FFF2-40B4-BE49-F238E27FC236}">
+                <a16:creationId xmlns:a16="http://schemas.microsoft.com/office/drawing/2014/main" xmlns="" id="{EFB8BB35-0FD3-4722-8646-7C77860E0325}"/>
+              </a:ext>
+            </a:extLst>
+          </p:cNvPr>
+          <p:cNvSpPr txBox="1"/>
+          <p:nvPr/>
+        </p:nvSpPr>
+        <p:spPr>
+          <a:xfrm>
+            <a:off x="162369" y="1667744"/>
+            <a:ext cx="10853974" cy="4832092"/>
+          </a:xfrm>
+          <a:prstGeom prst="rect">
+            <a:avLst/>
+          </a:prstGeom>
+          <a:noFill/>
+        </p:spPr>
+        <p:txBody>
+          <a:bodyPr wrap="square" rtlCol="0">
+            <a:spAutoFit/>
+          </a:bodyPr>
+          <a:lstStyle/>
+          <a:p>
+            <a:r>
+              <a:rPr lang="en-US" sz="2200" dirty="0">
+                <a:latin typeface="Microsoft JhengHei" panose="020B0604030504040204" pitchFamily="34" charset="-120"/>
+                <a:ea typeface="Microsoft JhengHei" panose="020B0604030504040204" pitchFamily="34" charset="-120"/>
+                <a:hlinkClick r:id="rId2"/>
+              </a:rPr>
+              <a:t>https://docs.microsoft.com/en-us/aspnet/core/mvc/controllers/testing?view=aspnetcore-2.2</a:t>
+            </a:r>
+            <a:r>
+              <a:rPr lang="en-US" sz="2200" dirty="0">
+                <a:latin typeface="Microsoft JhengHei" panose="020B0604030504040204" pitchFamily="34" charset="-120"/>
+                <a:ea typeface="Microsoft JhengHei" panose="020B0604030504040204" pitchFamily="34" charset="-120"/>
+              </a:rPr>
+              <a:t/>
+            </a:r>
+            <a:br>
+              <a:rPr lang="en-US" sz="2200" dirty="0">
+                <a:latin typeface="Microsoft JhengHei" panose="020B0604030504040204" pitchFamily="34" charset="-120"/>
+                <a:ea typeface="Microsoft JhengHei" panose="020B0604030504040204" pitchFamily="34" charset="-120"/>
+              </a:rPr>
+            </a:br>
+            <a:r>
+              <a:rPr lang="en-US" sz="2200" dirty="0">
+                <a:latin typeface="Microsoft JhengHei" panose="020B0604030504040204" pitchFamily="34" charset="-120"/>
+                <a:ea typeface="Microsoft JhengHei" panose="020B0604030504040204" pitchFamily="34" charset="-120"/>
+                <a:hlinkClick r:id="rId3"/>
+              </a:rPr>
+              <a:t>https://docs.microsoft.com/en-us/aspnet/core/test/integration-tests?view=aspnetcore-2.2</a:t>
+            </a:r>
+            <a:r>
+              <a:rPr lang="en-US" sz="2200" dirty="0">
+                <a:latin typeface="Microsoft JhengHei" panose="020B0604030504040204" pitchFamily="34" charset="-120"/>
+                <a:ea typeface="Microsoft JhengHei" panose="020B0604030504040204" pitchFamily="34" charset="-120"/>
+              </a:rPr>
+              <a:t/>
+            </a:r>
+            <a:br>
+              <a:rPr lang="en-US" sz="2200" dirty="0">
+                <a:latin typeface="Microsoft JhengHei" panose="020B0604030504040204" pitchFamily="34" charset="-120"/>
+                <a:ea typeface="Microsoft JhengHei" panose="020B0604030504040204" pitchFamily="34" charset="-120"/>
+              </a:rPr>
+            </a:br>
+            <a:r>
+              <a:rPr lang="en-US" sz="2200" dirty="0">
+                <a:latin typeface="Microsoft JhengHei" panose="020B0604030504040204" pitchFamily="34" charset="-120"/>
+                <a:ea typeface="Microsoft JhengHei" panose="020B0604030504040204" pitchFamily="34" charset="-120"/>
+                <a:hlinkClick r:id="rId4"/>
+              </a:rPr>
+              <a:t>https://docs.microsoft.com/en-us/dotnet/standard/microservices-architecture/microservice-ddd-cqrs-patterns/net-core-microservice-domain-model</a:t>
+            </a:r>
+            <a:r>
+              <a:rPr lang="en-US" sz="2200" dirty="0">
+                <a:latin typeface="Microsoft JhengHei" panose="020B0604030504040204" pitchFamily="34" charset="-120"/>
+                <a:ea typeface="Microsoft JhengHei" panose="020B0604030504040204" pitchFamily="34" charset="-120"/>
+              </a:rPr>
+              <a:t/>
+            </a:r>
+            <a:br>
+              <a:rPr lang="en-US" sz="2200" dirty="0">
+                <a:latin typeface="Microsoft JhengHei" panose="020B0604030504040204" pitchFamily="34" charset="-120"/>
+                <a:ea typeface="Microsoft JhengHei" panose="020B0604030504040204" pitchFamily="34" charset="-120"/>
+              </a:rPr>
+            </a:br>
+            <a:r>
+              <a:rPr lang="en-US" sz="2200" dirty="0">
+                <a:latin typeface="Microsoft JhengHei" panose="020B0604030504040204" pitchFamily="34" charset="-120"/>
+                <a:ea typeface="Microsoft JhengHei" panose="020B0604030504040204" pitchFamily="34" charset="-120"/>
+                <a:hlinkClick r:id="rId5"/>
+              </a:rPr>
+              <a:t>https://www.devmedia.com.br/desing-patterns-na-pratica-desvendando-o-builder-parte-2/14743</a:t>
+            </a:r>
+            <a:r>
+              <a:rPr lang="en-US" sz="2200" dirty="0">
+                <a:latin typeface="Microsoft JhengHei" panose="020B0604030504040204" pitchFamily="34" charset="-120"/>
+                <a:ea typeface="Microsoft JhengHei" panose="020B0604030504040204" pitchFamily="34" charset="-120"/>
+              </a:rPr>
+              <a:t/>
+            </a:r>
+            <a:br>
+              <a:rPr lang="en-US" sz="2200" dirty="0">
+                <a:latin typeface="Microsoft JhengHei" panose="020B0604030504040204" pitchFamily="34" charset="-120"/>
+                <a:ea typeface="Microsoft JhengHei" panose="020B0604030504040204" pitchFamily="34" charset="-120"/>
+              </a:rPr>
+            </a:br>
+            <a:r>
+              <a:rPr lang="en-US" sz="2200" dirty="0">
+                <a:latin typeface="Microsoft JhengHei" panose="020B0604030504040204" pitchFamily="34" charset="-120"/>
+                <a:ea typeface="Microsoft JhengHei" panose="020B0604030504040204" pitchFamily="34" charset="-120"/>
+                <a:hlinkClick r:id="rId6"/>
+              </a:rPr>
+              <a:t>https://medium.com/@pjbgf/asserting-equality-in-your-c-unit-tests-837b423024bf</a:t>
+            </a:r>
+            <a:r>
+              <a:rPr lang="en-US" sz="2200" dirty="0">
+                <a:latin typeface="Microsoft JhengHei" panose="020B0604030504040204" pitchFamily="34" charset="-120"/>
+                <a:ea typeface="Microsoft JhengHei" panose="020B0604030504040204" pitchFamily="34" charset="-120"/>
+              </a:rPr>
+              <a:t/>
+            </a:r>
+            <a:br>
+              <a:rPr lang="en-US" sz="2200" dirty="0">
+                <a:latin typeface="Microsoft JhengHei" panose="020B0604030504040204" pitchFamily="34" charset="-120"/>
+                <a:ea typeface="Microsoft JhengHei" panose="020B0604030504040204" pitchFamily="34" charset="-120"/>
+              </a:rPr>
+            </a:br>
+            <a:r>
+              <a:rPr lang="en-US" sz="2200" dirty="0">
+                <a:latin typeface="Microsoft JhengHei" panose="020B0604030504040204" pitchFamily="34" charset="-120"/>
+                <a:ea typeface="Microsoft JhengHei" panose="020B0604030504040204" pitchFamily="34" charset="-120"/>
+                <a:hlinkClick r:id="rId7"/>
+              </a:rPr>
+              <a:t>https://github.com/bchavez/Bogus</a:t>
+            </a:r>
+            <a:r>
+              <a:rPr lang="en-US" sz="2200" dirty="0">
+                <a:latin typeface="Microsoft JhengHei" panose="020B0604030504040204" pitchFamily="34" charset="-120"/>
+                <a:ea typeface="Microsoft JhengHei" panose="020B0604030504040204" pitchFamily="34" charset="-120"/>
+              </a:rPr>
+              <a:t/>
+            </a:r>
+            <a:br>
+              <a:rPr lang="en-US" sz="2200" dirty="0">
+                <a:latin typeface="Microsoft JhengHei" panose="020B0604030504040204" pitchFamily="34" charset="-120"/>
+                <a:ea typeface="Microsoft JhengHei" panose="020B0604030504040204" pitchFamily="34" charset="-120"/>
+              </a:rPr>
+            </a:br>
+            <a:r>
+              <a:rPr lang="en-US" sz="2200" dirty="0">
+                <a:latin typeface="Microsoft JhengHei" panose="020B0604030504040204" pitchFamily="34" charset="-120"/>
+                <a:ea typeface="Microsoft JhengHei" panose="020B0604030504040204" pitchFamily="34" charset="-120"/>
+                <a:hlinkClick r:id="rId8"/>
+              </a:rPr>
+              <a:t>https://github.com/moq/moq4</a:t>
+            </a:r>
+            <a:r>
+              <a:rPr lang="en-US" sz="2200" dirty="0">
+                <a:latin typeface="Microsoft JhengHei" panose="020B0604030504040204" pitchFamily="34" charset="-120"/>
+                <a:ea typeface="Microsoft JhengHei" panose="020B0604030504040204" pitchFamily="34" charset="-120"/>
+              </a:rPr>
+              <a:t/>
+            </a:r>
+            <a:br>
+              <a:rPr lang="en-US" sz="2200" dirty="0">
+                <a:latin typeface="Microsoft JhengHei" panose="020B0604030504040204" pitchFamily="34" charset="-120"/>
+                <a:ea typeface="Microsoft JhengHei" panose="020B0604030504040204" pitchFamily="34" charset="-120"/>
+              </a:rPr>
+            </a:br>
+            <a:r>
+              <a:rPr lang="en-US" sz="2200" dirty="0">
+                <a:latin typeface="Microsoft JhengHei" panose="020B0604030504040204" pitchFamily="34" charset="-120"/>
+                <a:ea typeface="Microsoft JhengHei" panose="020B0604030504040204" pitchFamily="34" charset="-120"/>
+                <a:hlinkClick r:id="rId9"/>
+              </a:rPr>
+              <a:t>https://github.com/DevExpress/testcafe</a:t>
+            </a:r>
+            <a:endParaRPr lang="pt-BR" sz="2200" dirty="0">
+              <a:latin typeface="Microsoft JhengHei" panose="020B0604030504040204" pitchFamily="34" charset="-120"/>
+              <a:ea typeface="Microsoft JhengHei" panose="020B0604030504040204" pitchFamily="34" charset="-120"/>
+            </a:endParaRPr>
           </a:p>
         </p:txBody>
       </p:sp>
     </p:spTree>
     <p:extLst>
       <p:ext uri="{BB962C8B-B14F-4D97-AF65-F5344CB8AC3E}">
-        <p14:creationId xmlns:p14="http://schemas.microsoft.com/office/powerpoint/2010/main" val="2963689515"/>
+        <p14:creationId xmlns:p14="http://schemas.microsoft.com/office/powerpoint/2010/main" val="2857479145"/>
       </p:ext>
     </p:extLst>
   </p:cSld>
   <p:clrMapOvr>
     <a:masterClrMapping/>
   </p:clrMapOvr>
+  <p:timing>
+    <p:tnLst>
+      <p:par>
+        <p:cTn id="1" dur="indefinite" restart="never" nodeType="tmRoot"/>
+      </p:par>
+    </p:tnLst>
+  </p:timing>
 </p:sld>
 </file>
 
@@ -5058,12 +5241,217 @@
           <a:chExt cx="0" cy="0"/>
         </a:xfrm>
       </p:grpSpPr>
+      <p:sp>
+        <p:nvSpPr>
+          <p:cNvPr id="11" name="Cartilha de…">
+            <a:extLst>
+              <a:ext uri="{FF2B5EF4-FFF2-40B4-BE49-F238E27FC236}">
+                <a16:creationId xmlns:a16="http://schemas.microsoft.com/office/drawing/2014/main" xmlns="" id="{20885346-5B82-4DA9-B1FD-FF8271E7DD53}"/>
+              </a:ext>
+            </a:extLst>
+          </p:cNvPr>
+          <p:cNvSpPr txBox="1"/>
+          <p:nvPr/>
+        </p:nvSpPr>
+        <p:spPr>
+          <a:xfrm>
+            <a:off x="20679843" y="229870"/>
+            <a:ext cx="3016579" cy="1064261"/>
+          </a:xfrm>
+          <a:prstGeom prst="rect">
+            <a:avLst/>
+          </a:prstGeom>
+          <a:ln w="12700">
+            <a:miter lim="400000"/>
+          </a:ln>
+          <a:extLst>
+            <a:ext uri="{C572A759-6A51-4108-AA02-DFA0A04FC94B}">
+              <ma14:wrappingTextBoxFlag xmlns:ma14="http://schemas.microsoft.com/office/mac/drawingml/2011/main" xmlns="" val="1"/>
+            </a:ext>
+          </a:extLst>
+        </p:spPr>
+        <p:txBody>
+          <a:bodyPr wrap="none" lIns="63500" tIns="63500" rIns="63500" bIns="63500" anchor="ctr">
+            <a:spAutoFit/>
+          </a:bodyPr>
+          <a:lstStyle/>
+          <a:p>
+            <a:pPr algn="r" defTabSz="241300">
+              <a:lnSpc>
+                <a:spcPct val="80000"/>
+              </a:lnSpc>
+              <a:defRPr sz="3500">
+                <a:solidFill>
+                  <a:srgbClr val="5E5E5E"/>
+                </a:solidFill>
+                <a:latin typeface="Roboto-Bold"/>
+                <a:ea typeface="Roboto-Bold"/>
+                <a:cs typeface="Roboto-Bold"/>
+                <a:sym typeface="Roboto-Bold"/>
+              </a:defRPr>
+            </a:pPr>
+            <a:r>
+              <a:t>Cartilha de</a:t>
+            </a:r>
+          </a:p>
+          <a:p>
+            <a:pPr algn="r" defTabSz="241300">
+              <a:lnSpc>
+                <a:spcPct val="80000"/>
+              </a:lnSpc>
+              <a:defRPr sz="3500">
+                <a:solidFill>
+                  <a:srgbClr val="5E5E5E"/>
+                </a:solidFill>
+                <a:latin typeface="Roboto-Bold"/>
+                <a:ea typeface="Roboto-Bold"/>
+                <a:cs typeface="Roboto-Bold"/>
+                <a:sym typeface="Roboto-Bold"/>
+              </a:defRPr>
+            </a:pPr>
+            <a:r>
+              <a:rPr b="0">
+                <a:latin typeface="Roboto-Regular"/>
+                <a:ea typeface="Roboto-Regular"/>
+                <a:cs typeface="Roboto-Regular"/>
+                <a:sym typeface="Roboto-Regular"/>
+              </a:rPr>
+              <a:t>Aprendizagem</a:t>
+            </a:r>
+          </a:p>
+        </p:txBody>
+      </p:sp>
+      <p:sp>
+        <p:nvSpPr>
+          <p:cNvPr id="13" name="Rounded Rectangle">
+            <a:extLst>
+              <a:ext uri="{FF2B5EF4-FFF2-40B4-BE49-F238E27FC236}">
+                <a16:creationId xmlns:a16="http://schemas.microsoft.com/office/drawing/2014/main" xmlns="" id="{0A2672FB-F31A-4045-9ED5-01430208380C}"/>
+              </a:ext>
+            </a:extLst>
+          </p:cNvPr>
+          <p:cNvSpPr/>
+          <p:nvPr/>
+        </p:nvSpPr>
+        <p:spPr>
+          <a:xfrm flipV="1">
+            <a:off x="162369" y="762000"/>
+            <a:ext cx="11960331" cy="45719"/>
+          </a:xfrm>
+          <a:prstGeom prst="roundRect">
+            <a:avLst>
+              <a:gd name="adj" fmla="val 50000"/>
+            </a:avLst>
+          </a:prstGeom>
+          <a:solidFill>
+            <a:srgbClr val="0070C0"/>
+          </a:solidFill>
+          <a:ln w="12700">
+            <a:noFill/>
+            <a:miter lim="400000"/>
+          </a:ln>
+        </p:spPr>
+        <p:txBody>
+          <a:bodyPr lIns="71437" tIns="71437" rIns="71437" bIns="71437" anchor="ctr"/>
+          <a:lstStyle/>
+          <a:p>
+            <a:pPr>
+              <a:defRPr sz="3000" b="0">
+                <a:solidFill>
+                  <a:srgbClr val="FFFFFF"/>
+                </a:solidFill>
+                <a:latin typeface="+mn-lt"/>
+                <a:ea typeface="+mn-ea"/>
+                <a:cs typeface="+mn-cs"/>
+                <a:sym typeface="Helvetica Neue Medium"/>
+              </a:defRPr>
+            </a:pPr>
+            <a:endParaRPr/>
+          </a:p>
+        </p:txBody>
+      </p:sp>
+      <p:sp>
+        <p:nvSpPr>
+          <p:cNvPr id="2" name="TextBox 1">
+            <a:extLst>
+              <a:ext uri="{FF2B5EF4-FFF2-40B4-BE49-F238E27FC236}">
+                <a16:creationId xmlns:a16="http://schemas.microsoft.com/office/drawing/2014/main" xmlns="" id="{02224CDE-805E-4973-8ED0-96404698A133}"/>
+              </a:ext>
+            </a:extLst>
+          </p:cNvPr>
+          <p:cNvSpPr txBox="1"/>
+          <p:nvPr/>
+        </p:nvSpPr>
+        <p:spPr>
+          <a:xfrm>
+            <a:off x="1859796" y="2292974"/>
+            <a:ext cx="8152109" cy="1323439"/>
+          </a:xfrm>
+          <a:prstGeom prst="rect">
+            <a:avLst/>
+          </a:prstGeom>
+          <a:noFill/>
+        </p:spPr>
+        <p:txBody>
+          <a:bodyPr wrap="square" rtlCol="0">
+            <a:spAutoFit/>
+          </a:bodyPr>
+          <a:lstStyle/>
+          <a:p>
+            <a:pPr algn="ctr"/>
+            <a:r>
+              <a:rPr lang="pt-BR" sz="8000" dirty="0">
+                <a:latin typeface="Microsoft JhengHei" panose="020B0604030504040204" pitchFamily="34" charset="-120"/>
+                <a:ea typeface="Microsoft JhengHei" panose="020B0604030504040204" pitchFamily="34" charset="-120"/>
+              </a:rPr>
+              <a:t>Obrigado!</a:t>
+            </a:r>
+          </a:p>
+        </p:txBody>
+      </p:sp>
+    </p:spTree>
+    <p:extLst>
+      <p:ext uri="{BB962C8B-B14F-4D97-AF65-F5344CB8AC3E}">
+        <p14:creationId xmlns:p14="http://schemas.microsoft.com/office/powerpoint/2010/main" val="2963689515"/>
+      </p:ext>
+    </p:extLst>
+  </p:cSld>
+  <p:clrMapOvr>
+    <a:masterClrMapping/>
+  </p:clrMapOvr>
+  <p:timing>
+    <p:tnLst>
+      <p:par>
+        <p:cTn id="1" dur="indefinite" restart="never" nodeType="tmRoot"/>
+      </p:par>
+    </p:tnLst>
+  </p:timing>
+</p:sld>
+</file>
+
+<file path=ppt/slides/slide14.xml><?xml version="1.0" encoding="utf-8"?>
+<p:sld xmlns:a="http://schemas.openxmlformats.org/drawingml/2006/main" xmlns:r="http://schemas.openxmlformats.org/officeDocument/2006/relationships" xmlns:p="http://schemas.openxmlformats.org/presentationml/2006/main">
+  <p:cSld>
+    <p:spTree>
+      <p:nvGrpSpPr>
+        <p:cNvPr id="1" name=""/>
+        <p:cNvGrpSpPr/>
+        <p:nvPr/>
+      </p:nvGrpSpPr>
+      <p:grpSpPr>
+        <a:xfrm>
+          <a:off x="0" y="0"/>
+          <a:ext cx="0" cy="0"/>
+          <a:chOff x="0" y="0"/>
+          <a:chExt cx="0" cy="0"/>
+        </a:xfrm>
+      </p:grpSpPr>
       <p:pic>
         <p:nvPicPr>
           <p:cNvPr id="4" name="Imagem 3" descr="Uma imagem contendo texto&#10;&#10;Descrição gerada com muito alta confiança">
             <a:extLst>
               <a:ext uri="{FF2B5EF4-FFF2-40B4-BE49-F238E27FC236}">
-                <a16:creationId xmlns:a16="http://schemas.microsoft.com/office/drawing/2014/main" id="{C835E195-5B73-46B2-8058-B483DC16AC59}"/>
+                <a16:creationId xmlns:a16="http://schemas.microsoft.com/office/drawing/2014/main" xmlns="" id="{C835E195-5B73-46B2-8058-B483DC16AC59}"/>
               </a:ext>
             </a:extLst>
           </p:cNvPr>
@@ -5073,7 +5461,7 @@
           <p:nvPr/>
         </p:nvPicPr>
         <p:blipFill>
-          <a:blip r:embed="rId2">
+          <a:blip r:embed="rId2" cstate="print">
             <a:extLst>
               <a:ext uri="{28A0092B-C50C-407E-A947-70E740481C1C}">
                 <a14:useLocalDpi xmlns:a14="http://schemas.microsoft.com/office/drawing/2010/main" val="0"/>
@@ -5099,7 +5487,7 @@
           <p:cNvPr id="8" name="Imagem 7" descr="Uma imagem contendo cartão de negócios, texto&#10;&#10;Descrição gerada com alta confiança">
             <a:extLst>
               <a:ext uri="{FF2B5EF4-FFF2-40B4-BE49-F238E27FC236}">
-                <a16:creationId xmlns:a16="http://schemas.microsoft.com/office/drawing/2014/main" id="{936ECF04-D465-4E37-B42E-7525028FE16F}"/>
+                <a16:creationId xmlns:a16="http://schemas.microsoft.com/office/drawing/2014/main" xmlns="" id="{936ECF04-D465-4E37-B42E-7525028FE16F}"/>
               </a:ext>
             </a:extLst>
           </p:cNvPr>
@@ -5109,7 +5497,7 @@
           <p:nvPr/>
         </p:nvPicPr>
         <p:blipFill rotWithShape="1">
-          <a:blip r:embed="rId3">
+          <a:blip r:embed="rId3" cstate="print">
             <a:extLst>
               <a:ext uri="{28A0092B-C50C-407E-A947-70E740481C1C}">
                 <a14:useLocalDpi xmlns:a14="http://schemas.microsoft.com/office/drawing/2010/main" val="0"/>
@@ -5134,7 +5522,7 @@
           <p:cNvPr id="9" name="Imagem 8" descr="Uma imagem contendo objeto&#10;&#10;Descrição gerada com muito alta confiança">
             <a:extLst>
               <a:ext uri="{FF2B5EF4-FFF2-40B4-BE49-F238E27FC236}">
-                <a16:creationId xmlns:a16="http://schemas.microsoft.com/office/drawing/2014/main" id="{39B29D3F-AFF4-41A2-AFF9-C4E401C81CC8}"/>
+                <a16:creationId xmlns:a16="http://schemas.microsoft.com/office/drawing/2014/main" xmlns="" id="{39B29D3F-AFF4-41A2-AFF9-C4E401C81CC8}"/>
               </a:ext>
             </a:extLst>
           </p:cNvPr>
@@ -5144,7 +5532,7 @@
           <p:nvPr/>
         </p:nvPicPr>
         <p:blipFill>
-          <a:blip r:embed="rId4">
+          <a:blip r:embed="rId4" cstate="print">
             <a:extLst>
               <a:ext uri="{28A0092B-C50C-407E-A947-70E740481C1C}">
                 <a14:useLocalDpi xmlns:a14="http://schemas.microsoft.com/office/drawing/2010/main" val="0"/>
@@ -5175,6 +5563,13 @@
   <p:clrMapOvr>
     <a:masterClrMapping/>
   </p:clrMapOvr>
+  <p:timing>
+    <p:tnLst>
+      <p:par>
+        <p:cTn id="1" dur="indefinite" restart="never" nodeType="tmRoot"/>
+      </p:par>
+    </p:tnLst>
+  </p:timing>
 </p:sld>
 </file>
 
@@ -5200,7 +5595,7 @@
           <p:cNvPr id="11" name="Cartilha de…">
             <a:extLst>
               <a:ext uri="{FF2B5EF4-FFF2-40B4-BE49-F238E27FC236}">
-                <a16:creationId xmlns:a16="http://schemas.microsoft.com/office/drawing/2014/main" id="{20885346-5B82-4DA9-B1FD-FF8271E7DD53}"/>
+                <a16:creationId xmlns:a16="http://schemas.microsoft.com/office/drawing/2014/main" xmlns="" id="{20885346-5B82-4DA9-B1FD-FF8271E7DD53}"/>
               </a:ext>
             </a:extLst>
           </p:cNvPr>
@@ -5220,7 +5615,7 @@
           </a:ln>
           <a:extLst>
             <a:ext uri="{C572A759-6A51-4108-AA02-DFA0A04FC94B}">
-              <ma14:wrappingTextBoxFlag xmlns="" xmlns:ma14="http://schemas.microsoft.com/office/mac/drawingml/2011/main" val="1"/>
+              <ma14:wrappingTextBoxFlag xmlns:ma14="http://schemas.microsoft.com/office/mac/drawingml/2011/main" xmlns="" val="1"/>
             </a:ext>
           </a:extLst>
         </p:spPr>
@@ -5280,7 +5675,7 @@
           <p:cNvPr id="13" name="Rounded Rectangle">
             <a:extLst>
               <a:ext uri="{FF2B5EF4-FFF2-40B4-BE49-F238E27FC236}">
-                <a16:creationId xmlns:a16="http://schemas.microsoft.com/office/drawing/2014/main" id="{0A2672FB-F31A-4045-9ED5-01430208380C}"/>
+                <a16:creationId xmlns:a16="http://schemas.microsoft.com/office/drawing/2014/main" xmlns="" id="{0A2672FB-F31A-4045-9ED5-01430208380C}"/>
               </a:ext>
             </a:extLst>
           </p:cNvPr>
@@ -5329,7 +5724,7 @@
           <p:cNvPr id="5" name="TextBox 4">
             <a:extLst>
               <a:ext uri="{FF2B5EF4-FFF2-40B4-BE49-F238E27FC236}">
-                <a16:creationId xmlns:a16="http://schemas.microsoft.com/office/drawing/2014/main" id="{71BDF408-79B9-4250-B26D-008828649828}"/>
+                <a16:creationId xmlns:a16="http://schemas.microsoft.com/office/drawing/2014/main" xmlns="" id="{71BDF408-79B9-4250-B26D-008828649828}"/>
               </a:ext>
             </a:extLst>
           </p:cNvPr>
@@ -5368,7 +5763,7 @@
           <p:cNvPr id="2" name="TextBox 1">
             <a:extLst>
               <a:ext uri="{FF2B5EF4-FFF2-40B4-BE49-F238E27FC236}">
-                <a16:creationId xmlns:a16="http://schemas.microsoft.com/office/drawing/2014/main" id="{38A1AD8F-88BC-4B89-993C-8F085D162565}"/>
+                <a16:creationId xmlns:a16="http://schemas.microsoft.com/office/drawing/2014/main" xmlns="" id="{38A1AD8F-88BC-4B89-993C-8F085D162565}"/>
               </a:ext>
             </a:extLst>
           </p:cNvPr>
@@ -5404,6 +5799,13 @@
                 <a:ea typeface="Microsoft JhengHei" panose="020B0604030504040204" pitchFamily="34" charset="-120"/>
               </a:rPr>
               <a:t>end</a:t>
+            </a:r>
+            <a:r>
+              <a:rPr lang="pt-BR" dirty="0">
+                <a:latin typeface="Microsoft JhengHei" panose="020B0604030504040204" pitchFamily="34" charset="-120"/>
+                <a:ea typeface="Microsoft JhengHei" panose="020B0604030504040204" pitchFamily="34" charset="-120"/>
+              </a:rPr>
+              <a:t/>
             </a:r>
             <a:br>
               <a:rPr lang="pt-BR" dirty="0">
@@ -5442,6 +5844,13 @@
   <p:clrMapOvr>
     <a:masterClrMapping/>
   </p:clrMapOvr>
+  <p:timing>
+    <p:tnLst>
+      <p:par>
+        <p:cTn id="1" dur="indefinite" restart="never" nodeType="tmRoot"/>
+      </p:par>
+    </p:tnLst>
+  </p:timing>
 </p:sld>
 </file>
 
@@ -5467,7 +5876,7 @@
           <p:cNvPr id="11" name="Cartilha de…">
             <a:extLst>
               <a:ext uri="{FF2B5EF4-FFF2-40B4-BE49-F238E27FC236}">
-                <a16:creationId xmlns:a16="http://schemas.microsoft.com/office/drawing/2014/main" id="{20885346-5B82-4DA9-B1FD-FF8271E7DD53}"/>
+                <a16:creationId xmlns:a16="http://schemas.microsoft.com/office/drawing/2014/main" xmlns="" id="{20885346-5B82-4DA9-B1FD-FF8271E7DD53}"/>
               </a:ext>
             </a:extLst>
           </p:cNvPr>
@@ -5487,7 +5896,7 @@
           </a:ln>
           <a:extLst>
             <a:ext uri="{C572A759-6A51-4108-AA02-DFA0A04FC94B}">
-              <ma14:wrappingTextBoxFlag xmlns="" xmlns:ma14="http://schemas.microsoft.com/office/mac/drawingml/2011/main" val="1"/>
+              <ma14:wrappingTextBoxFlag xmlns:ma14="http://schemas.microsoft.com/office/mac/drawingml/2011/main" xmlns="" val="1"/>
             </a:ext>
           </a:extLst>
         </p:spPr>
@@ -5547,7 +5956,7 @@
           <p:cNvPr id="13" name="Rounded Rectangle">
             <a:extLst>
               <a:ext uri="{FF2B5EF4-FFF2-40B4-BE49-F238E27FC236}">
-                <a16:creationId xmlns:a16="http://schemas.microsoft.com/office/drawing/2014/main" id="{0A2672FB-F31A-4045-9ED5-01430208380C}"/>
+                <a16:creationId xmlns:a16="http://schemas.microsoft.com/office/drawing/2014/main" xmlns="" id="{0A2672FB-F31A-4045-9ED5-01430208380C}"/>
               </a:ext>
             </a:extLst>
           </p:cNvPr>
@@ -5596,7 +6005,7 @@
           <p:cNvPr id="3" name="Picture 2">
             <a:extLst>
               <a:ext uri="{FF2B5EF4-FFF2-40B4-BE49-F238E27FC236}">
-                <a16:creationId xmlns:a16="http://schemas.microsoft.com/office/drawing/2014/main" id="{D7941D0C-0431-4CC2-A92E-EA0D00A51D9D}"/>
+                <a16:creationId xmlns:a16="http://schemas.microsoft.com/office/drawing/2014/main" xmlns="" id="{D7941D0C-0431-4CC2-A92E-EA0D00A51D9D}"/>
               </a:ext>
             </a:extLst>
           </p:cNvPr>
@@ -5606,7 +6015,7 @@
           <p:nvPr/>
         </p:nvPicPr>
         <p:blipFill>
-          <a:blip r:embed="rId2">
+          <a:blip r:embed="rId2" cstate="print">
             <a:extLst>
               <a:ext uri="{28A0092B-C50C-407E-A947-70E740481C1C}">
                 <a14:useLocalDpi xmlns:a14="http://schemas.microsoft.com/office/drawing/2010/main" val="0"/>
@@ -5632,7 +6041,7 @@
           <p:cNvPr id="5" name="Picture 4">
             <a:extLst>
               <a:ext uri="{FF2B5EF4-FFF2-40B4-BE49-F238E27FC236}">
-                <a16:creationId xmlns:a16="http://schemas.microsoft.com/office/drawing/2014/main" id="{22318474-166B-4F20-A247-437FA514B9D7}"/>
+                <a16:creationId xmlns:a16="http://schemas.microsoft.com/office/drawing/2014/main" xmlns="" id="{22318474-166B-4F20-A247-437FA514B9D7}"/>
               </a:ext>
             </a:extLst>
           </p:cNvPr>
@@ -5642,7 +6051,7 @@
           <p:nvPr/>
         </p:nvPicPr>
         <p:blipFill>
-          <a:blip r:embed="rId3">
+          <a:blip r:embed="rId3" cstate="print">
             <a:extLst>
               <a:ext uri="{28A0092B-C50C-407E-A947-70E740481C1C}">
                 <a14:useLocalDpi xmlns:a14="http://schemas.microsoft.com/office/drawing/2010/main" val="0"/>
@@ -5668,7 +6077,7 @@
           <p:cNvPr id="6" name="TextBox 5">
             <a:extLst>
               <a:ext uri="{FF2B5EF4-FFF2-40B4-BE49-F238E27FC236}">
-                <a16:creationId xmlns:a16="http://schemas.microsoft.com/office/drawing/2014/main" id="{B5F4331F-6744-4DE3-B1C6-CD32343604CF}"/>
+                <a16:creationId xmlns:a16="http://schemas.microsoft.com/office/drawing/2014/main" xmlns="" id="{B5F4331F-6744-4DE3-B1C6-CD32343604CF}"/>
               </a:ext>
             </a:extLst>
           </p:cNvPr>
@@ -5741,7 +6150,7 @@
           <p:cNvPr id="10" name="TextBox 9">
             <a:extLst>
               <a:ext uri="{FF2B5EF4-FFF2-40B4-BE49-F238E27FC236}">
-                <a16:creationId xmlns:a16="http://schemas.microsoft.com/office/drawing/2014/main" id="{05217AD6-A734-4B4F-ABB2-F6539DC65776}"/>
+                <a16:creationId xmlns:a16="http://schemas.microsoft.com/office/drawing/2014/main" xmlns="" id="{05217AD6-A734-4B4F-ABB2-F6539DC65776}"/>
               </a:ext>
             </a:extLst>
           </p:cNvPr>
@@ -5819,6 +6228,13 @@
   <p:clrMapOvr>
     <a:masterClrMapping/>
   </p:clrMapOvr>
+  <p:timing>
+    <p:tnLst>
+      <p:par>
+        <p:cTn id="1" dur="indefinite" restart="never" nodeType="tmRoot"/>
+      </p:par>
+    </p:tnLst>
+  </p:timing>
 </p:sld>
 </file>
 
@@ -5844,7 +6260,7 @@
           <p:cNvPr id="11" name="Cartilha de…">
             <a:extLst>
               <a:ext uri="{FF2B5EF4-FFF2-40B4-BE49-F238E27FC236}">
-                <a16:creationId xmlns:a16="http://schemas.microsoft.com/office/drawing/2014/main" id="{20885346-5B82-4DA9-B1FD-FF8271E7DD53}"/>
+                <a16:creationId xmlns:a16="http://schemas.microsoft.com/office/drawing/2014/main" xmlns="" id="{20885346-5B82-4DA9-B1FD-FF8271E7DD53}"/>
               </a:ext>
             </a:extLst>
           </p:cNvPr>
@@ -5864,7 +6280,7 @@
           </a:ln>
           <a:extLst>
             <a:ext uri="{C572A759-6A51-4108-AA02-DFA0A04FC94B}">
-              <ma14:wrappingTextBoxFlag xmlns="" xmlns:ma14="http://schemas.microsoft.com/office/mac/drawingml/2011/main" val="1"/>
+              <ma14:wrappingTextBoxFlag xmlns:ma14="http://schemas.microsoft.com/office/mac/drawingml/2011/main" xmlns="" val="1"/>
             </a:ext>
           </a:extLst>
         </p:spPr>
@@ -5924,7 +6340,7 @@
           <p:cNvPr id="13" name="Rounded Rectangle">
             <a:extLst>
               <a:ext uri="{FF2B5EF4-FFF2-40B4-BE49-F238E27FC236}">
-                <a16:creationId xmlns:a16="http://schemas.microsoft.com/office/drawing/2014/main" id="{0A2672FB-F31A-4045-9ED5-01430208380C}"/>
+                <a16:creationId xmlns:a16="http://schemas.microsoft.com/office/drawing/2014/main" xmlns="" id="{0A2672FB-F31A-4045-9ED5-01430208380C}"/>
               </a:ext>
             </a:extLst>
           </p:cNvPr>
@@ -5973,7 +6389,7 @@
           <p:cNvPr id="14" name="03">
             <a:extLst>
               <a:ext uri="{FF2B5EF4-FFF2-40B4-BE49-F238E27FC236}">
-                <a16:creationId xmlns:a16="http://schemas.microsoft.com/office/drawing/2014/main" id="{4A61FD1A-E8B7-4C70-B541-8DE874492E4B}"/>
+                <a16:creationId xmlns:a16="http://schemas.microsoft.com/office/drawing/2014/main" xmlns="" id="{4A61FD1A-E8B7-4C70-B541-8DE874492E4B}"/>
               </a:ext>
             </a:extLst>
           </p:cNvPr>
@@ -5998,7 +6414,7 @@
           </a:ln>
           <a:extLst>
             <a:ext uri="{C572A759-6A51-4108-AA02-DFA0A04FC94B}">
-              <ma14:wrappingTextBoxFlag xmlns="" xmlns:ma14="http://schemas.microsoft.com/office/mac/drawingml/2011/main" val="1"/>
+              <ma14:wrappingTextBoxFlag xmlns:ma14="http://schemas.microsoft.com/office/mac/drawingml/2011/main" xmlns="" val="1"/>
             </a:ext>
           </a:extLst>
         </p:spPr>
@@ -6035,7 +6451,7 @@
           <p:cNvPr id="6" name="TextBox 5">
             <a:extLst>
               <a:ext uri="{FF2B5EF4-FFF2-40B4-BE49-F238E27FC236}">
-                <a16:creationId xmlns:a16="http://schemas.microsoft.com/office/drawing/2014/main" id="{9A020E75-C9D7-493D-A090-1D44A7FB397F}"/>
+                <a16:creationId xmlns:a16="http://schemas.microsoft.com/office/drawing/2014/main" xmlns="" id="{9A020E75-C9D7-493D-A090-1D44A7FB397F}"/>
               </a:ext>
             </a:extLst>
           </p:cNvPr>
@@ -6074,7 +6490,7 @@
           <p:cNvPr id="8" name="TextBox 7">
             <a:extLst>
               <a:ext uri="{FF2B5EF4-FFF2-40B4-BE49-F238E27FC236}">
-                <a16:creationId xmlns:a16="http://schemas.microsoft.com/office/drawing/2014/main" id="{BF0F80FF-FE7D-45D8-A6DE-A0B5E16C8113}"/>
+                <a16:creationId xmlns:a16="http://schemas.microsoft.com/office/drawing/2014/main" xmlns="" id="{BF0F80FF-FE7D-45D8-A6DE-A0B5E16C8113}"/>
               </a:ext>
             </a:extLst>
           </p:cNvPr>
@@ -6229,7 +6645,7 @@
           <p:cNvPr id="11" name="Cartilha de…">
             <a:extLst>
               <a:ext uri="{FF2B5EF4-FFF2-40B4-BE49-F238E27FC236}">
-                <a16:creationId xmlns:a16="http://schemas.microsoft.com/office/drawing/2014/main" id="{20885346-5B82-4DA9-B1FD-FF8271E7DD53}"/>
+                <a16:creationId xmlns:a16="http://schemas.microsoft.com/office/drawing/2014/main" xmlns="" id="{20885346-5B82-4DA9-B1FD-FF8271E7DD53}"/>
               </a:ext>
             </a:extLst>
           </p:cNvPr>
@@ -6249,7 +6665,7 @@
           </a:ln>
           <a:extLst>
             <a:ext uri="{C572A759-6A51-4108-AA02-DFA0A04FC94B}">
-              <ma14:wrappingTextBoxFlag xmlns="" xmlns:ma14="http://schemas.microsoft.com/office/mac/drawingml/2011/main" val="1"/>
+              <ma14:wrappingTextBoxFlag xmlns:ma14="http://schemas.microsoft.com/office/mac/drawingml/2011/main" xmlns="" val="1"/>
             </a:ext>
           </a:extLst>
         </p:spPr>
@@ -6309,7 +6725,7 @@
           <p:cNvPr id="13" name="Rounded Rectangle">
             <a:extLst>
               <a:ext uri="{FF2B5EF4-FFF2-40B4-BE49-F238E27FC236}">
-                <a16:creationId xmlns:a16="http://schemas.microsoft.com/office/drawing/2014/main" id="{0A2672FB-F31A-4045-9ED5-01430208380C}"/>
+                <a16:creationId xmlns:a16="http://schemas.microsoft.com/office/drawing/2014/main" xmlns="" id="{0A2672FB-F31A-4045-9ED5-01430208380C}"/>
               </a:ext>
             </a:extLst>
           </p:cNvPr>
@@ -6358,7 +6774,7 @@
           <p:cNvPr id="14" name="03">
             <a:extLst>
               <a:ext uri="{FF2B5EF4-FFF2-40B4-BE49-F238E27FC236}">
-                <a16:creationId xmlns:a16="http://schemas.microsoft.com/office/drawing/2014/main" id="{4A61FD1A-E8B7-4C70-B541-8DE874492E4B}"/>
+                <a16:creationId xmlns:a16="http://schemas.microsoft.com/office/drawing/2014/main" xmlns="" id="{4A61FD1A-E8B7-4C70-B541-8DE874492E4B}"/>
               </a:ext>
             </a:extLst>
           </p:cNvPr>
@@ -6383,7 +6799,7 @@
           </a:ln>
           <a:extLst>
             <a:ext uri="{C572A759-6A51-4108-AA02-DFA0A04FC94B}">
-              <ma14:wrappingTextBoxFlag xmlns="" xmlns:ma14="http://schemas.microsoft.com/office/mac/drawingml/2011/main" val="1"/>
+              <ma14:wrappingTextBoxFlag xmlns:ma14="http://schemas.microsoft.com/office/mac/drawingml/2011/main" xmlns="" val="1"/>
             </a:ext>
           </a:extLst>
         </p:spPr>
@@ -6420,7 +6836,7 @@
           <p:cNvPr id="3" name="Picture 2">
             <a:extLst>
               <a:ext uri="{FF2B5EF4-FFF2-40B4-BE49-F238E27FC236}">
-                <a16:creationId xmlns:a16="http://schemas.microsoft.com/office/drawing/2014/main" id="{A4C0BBEF-134E-4482-85FF-B657E2B346CD}"/>
+                <a16:creationId xmlns:a16="http://schemas.microsoft.com/office/drawing/2014/main" xmlns="" id="{A4C0BBEF-134E-4482-85FF-B657E2B346CD}"/>
               </a:ext>
             </a:extLst>
           </p:cNvPr>
@@ -6461,6 +6877,13 @@
   <p:clrMapOvr>
     <a:masterClrMapping/>
   </p:clrMapOvr>
+  <p:timing>
+    <p:tnLst>
+      <p:par>
+        <p:cTn id="1" dur="indefinite" restart="never" nodeType="tmRoot"/>
+      </p:par>
+    </p:tnLst>
+  </p:timing>
 </p:sld>
 </file>
 
@@ -6486,7 +6909,7 @@
           <p:cNvPr id="11" name="Cartilha de…">
             <a:extLst>
               <a:ext uri="{FF2B5EF4-FFF2-40B4-BE49-F238E27FC236}">
-                <a16:creationId xmlns:a16="http://schemas.microsoft.com/office/drawing/2014/main" id="{20885346-5B82-4DA9-B1FD-FF8271E7DD53}"/>
+                <a16:creationId xmlns:a16="http://schemas.microsoft.com/office/drawing/2014/main" xmlns="" id="{20885346-5B82-4DA9-B1FD-FF8271E7DD53}"/>
               </a:ext>
             </a:extLst>
           </p:cNvPr>
@@ -6506,7 +6929,7 @@
           </a:ln>
           <a:extLst>
             <a:ext uri="{C572A759-6A51-4108-AA02-DFA0A04FC94B}">
-              <ma14:wrappingTextBoxFlag xmlns="" xmlns:ma14="http://schemas.microsoft.com/office/mac/drawingml/2011/main" val="1"/>
+              <ma14:wrappingTextBoxFlag xmlns:ma14="http://schemas.microsoft.com/office/mac/drawingml/2011/main" xmlns="" val="1"/>
             </a:ext>
           </a:extLst>
         </p:spPr>
@@ -6566,7 +6989,7 @@
           <p:cNvPr id="13" name="Rounded Rectangle">
             <a:extLst>
               <a:ext uri="{FF2B5EF4-FFF2-40B4-BE49-F238E27FC236}">
-                <a16:creationId xmlns:a16="http://schemas.microsoft.com/office/drawing/2014/main" id="{0A2672FB-F31A-4045-9ED5-01430208380C}"/>
+                <a16:creationId xmlns:a16="http://schemas.microsoft.com/office/drawing/2014/main" xmlns="" id="{0A2672FB-F31A-4045-9ED5-01430208380C}"/>
               </a:ext>
             </a:extLst>
           </p:cNvPr>
@@ -6615,7 +7038,7 @@
           <p:cNvPr id="14" name="03">
             <a:extLst>
               <a:ext uri="{FF2B5EF4-FFF2-40B4-BE49-F238E27FC236}">
-                <a16:creationId xmlns:a16="http://schemas.microsoft.com/office/drawing/2014/main" id="{4A61FD1A-E8B7-4C70-B541-8DE874492E4B}"/>
+                <a16:creationId xmlns:a16="http://schemas.microsoft.com/office/drawing/2014/main" xmlns="" id="{4A61FD1A-E8B7-4C70-B541-8DE874492E4B}"/>
               </a:ext>
             </a:extLst>
           </p:cNvPr>
@@ -6640,7 +7063,7 @@
           </a:ln>
           <a:extLst>
             <a:ext uri="{C572A759-6A51-4108-AA02-DFA0A04FC94B}">
-              <ma14:wrappingTextBoxFlag xmlns="" xmlns:ma14="http://schemas.microsoft.com/office/mac/drawingml/2011/main" val="1"/>
+              <ma14:wrappingTextBoxFlag xmlns:ma14="http://schemas.microsoft.com/office/mac/drawingml/2011/main" xmlns="" val="1"/>
             </a:ext>
           </a:extLst>
         </p:spPr>
@@ -6677,7 +7100,7 @@
           <p:cNvPr id="7" name="TextBox 6">
             <a:extLst>
               <a:ext uri="{FF2B5EF4-FFF2-40B4-BE49-F238E27FC236}">
-                <a16:creationId xmlns:a16="http://schemas.microsoft.com/office/drawing/2014/main" id="{A9511B0A-E628-491C-B76F-4C9FF2C3534F}"/>
+                <a16:creationId xmlns:a16="http://schemas.microsoft.com/office/drawing/2014/main" xmlns="" id="{A9511B0A-E628-491C-B76F-4C9FF2C3534F}"/>
               </a:ext>
             </a:extLst>
           </p:cNvPr>
@@ -6707,6 +7130,183 @@
               </a:rPr>
               <a:t>Testes de Unidade</a:t>
             </a:r>
+          </a:p>
+        </p:txBody>
+      </p:sp>
+      <p:sp>
+        <p:nvSpPr>
+          <p:cNvPr id="3" name="Retângulo 2"/>
+          <p:cNvSpPr/>
+          <p:nvPr/>
+        </p:nvSpPr>
+        <p:spPr>
+          <a:xfrm>
+            <a:off x="469868" y="2121408"/>
+            <a:ext cx="9725692" cy="4524315"/>
+          </a:xfrm>
+          <a:prstGeom prst="rect">
+            <a:avLst/>
+          </a:prstGeom>
+        </p:spPr>
+        <p:txBody>
+          <a:bodyPr wrap="square">
+            <a:spAutoFit/>
+          </a:bodyPr>
+          <a:lstStyle/>
+          <a:p>
+            <a:r>
+              <a:rPr lang="pt-BR" sz="2400" dirty="0">
+                <a:latin typeface="Microsoft JhengHei" pitchFamily="34" charset="-120"/>
+                <a:ea typeface="Microsoft JhengHei" pitchFamily="34" charset="-120"/>
+              </a:rPr>
+              <a:t>Um teste unitário basicamente é o teste da menor parte testável de um </a:t>
+            </a:r>
+            <a:r>
+              <a:rPr lang="pt-BR" sz="2400" dirty="0" smtClean="0">
+                <a:latin typeface="Microsoft JhengHei" panose="020B0604030504040204" pitchFamily="34" charset="-120"/>
+                <a:ea typeface="Microsoft JhengHei" panose="020B0604030504040204" pitchFamily="34" charset="-120"/>
+              </a:rPr>
+              <a:t>programa.</a:t>
+            </a:r>
+          </a:p>
+          <a:p>
+            <a:endParaRPr lang="pt-BR" sz="2400" dirty="0" smtClean="0">
+              <a:latin typeface="Microsoft JhengHei" panose="020B0604030504040204" pitchFamily="34" charset="-120"/>
+              <a:ea typeface="Microsoft JhengHei" panose="020B0604030504040204" pitchFamily="34" charset="-120"/>
+            </a:endParaRPr>
+          </a:p>
+          <a:p>
+            <a:pPr marL="342900" indent="-342900">
+              <a:buFont typeface="Arial" pitchFamily="34" charset="0"/>
+              <a:buChar char="•"/>
+            </a:pPr>
+            <a:r>
+              <a:rPr lang="pt-BR" sz="2400" dirty="0">
+                <a:latin typeface="Microsoft JhengHei" panose="020B0604030504040204" pitchFamily="34" charset="-120"/>
+                <a:ea typeface="Microsoft JhengHei" panose="020B0604030504040204" pitchFamily="34" charset="-120"/>
+              </a:rPr>
+              <a:t>Classes de domínio (</a:t>
+            </a:r>
+            <a:r>
+              <a:rPr lang="pt-BR" sz="2400" dirty="0" smtClean="0">
+                <a:latin typeface="Microsoft JhengHei" panose="020B0604030504040204" pitchFamily="34" charset="-120"/>
+                <a:ea typeface="Microsoft JhengHei" panose="020B0604030504040204" pitchFamily="34" charset="-120"/>
+              </a:rPr>
+              <a:t>Rico/Anêmico)</a:t>
+            </a:r>
+          </a:p>
+          <a:p>
+            <a:pPr marL="342900" indent="-342900">
+              <a:buFont typeface="Arial" pitchFamily="34" charset="0"/>
+              <a:buChar char="•"/>
+            </a:pPr>
+            <a:r>
+              <a:rPr lang="pt-BR" sz="2400" dirty="0" smtClean="0">
+                <a:latin typeface="Microsoft JhengHei" panose="020B0604030504040204" pitchFamily="34" charset="-120"/>
+                <a:ea typeface="Microsoft JhengHei" panose="020B0604030504040204" pitchFamily="34" charset="-120"/>
+              </a:rPr>
+              <a:t>Princípio de responsabilidade única</a:t>
+            </a:r>
+            <a:endParaRPr lang="pt-BR" sz="2400" dirty="0">
+              <a:latin typeface="Microsoft JhengHei" panose="020B0604030504040204" pitchFamily="34" charset="-120"/>
+              <a:ea typeface="Microsoft JhengHei" panose="020B0604030504040204" pitchFamily="34" charset="-120"/>
+            </a:endParaRPr>
+          </a:p>
+          <a:p>
+            <a:endParaRPr lang="pt-BR" sz="2400" dirty="0">
+              <a:latin typeface="Microsoft JhengHei" panose="020B0604030504040204" pitchFamily="34" charset="-120"/>
+              <a:ea typeface="Microsoft JhengHei" panose="020B0604030504040204" pitchFamily="34" charset="-120"/>
+            </a:endParaRPr>
+          </a:p>
+          <a:p>
+            <a:r>
+              <a:rPr lang="pt-BR" sz="2400" dirty="0" smtClean="0">
+                <a:latin typeface="Microsoft JhengHei" panose="020B0604030504040204" pitchFamily="34" charset="-120"/>
+                <a:ea typeface="Microsoft JhengHei" panose="020B0604030504040204" pitchFamily="34" charset="-120"/>
+              </a:rPr>
+              <a:t>Facilitadores:</a:t>
+            </a:r>
+          </a:p>
+          <a:p>
+            <a:endParaRPr lang="pt-BR" sz="2400" dirty="0" smtClean="0">
+              <a:latin typeface="Microsoft JhengHei" panose="020B0604030504040204" pitchFamily="34" charset="-120"/>
+              <a:ea typeface="Microsoft JhengHei" panose="020B0604030504040204" pitchFamily="34" charset="-120"/>
+            </a:endParaRPr>
+          </a:p>
+          <a:p>
+            <a:pPr marL="342900" indent="-342900">
+              <a:buFont typeface="Arial" panose="020B0604020202020204" pitchFamily="34" charset="0"/>
+              <a:buChar char="•"/>
+            </a:pPr>
+            <a:r>
+              <a:rPr lang="pt-BR" sz="2400" dirty="0" smtClean="0">
+                <a:latin typeface="Microsoft JhengHei" panose="020B0604030504040204" pitchFamily="34" charset="-120"/>
+                <a:ea typeface="Microsoft JhengHei" panose="020B0604030504040204" pitchFamily="34" charset="-120"/>
+              </a:rPr>
+              <a:t>Padrão </a:t>
+            </a:r>
+            <a:r>
+              <a:rPr lang="pt-BR" sz="2400" dirty="0" err="1" smtClean="0">
+                <a:latin typeface="Microsoft JhengHei" panose="020B0604030504040204" pitchFamily="34" charset="-120"/>
+                <a:ea typeface="Microsoft JhengHei" panose="020B0604030504040204" pitchFamily="34" charset="-120"/>
+              </a:rPr>
+              <a:t>Builder</a:t>
+            </a:r>
+            <a:endParaRPr lang="pt-BR" sz="2400" dirty="0" smtClean="0">
+              <a:latin typeface="Microsoft JhengHei" panose="020B0604030504040204" pitchFamily="34" charset="-120"/>
+              <a:ea typeface="Microsoft JhengHei" panose="020B0604030504040204" pitchFamily="34" charset="-120"/>
+            </a:endParaRPr>
+          </a:p>
+          <a:p>
+            <a:pPr marL="342900" indent="-342900">
+              <a:buFont typeface="Arial" panose="020B0604020202020204" pitchFamily="34" charset="0"/>
+              <a:buChar char="•"/>
+            </a:pPr>
+            <a:r>
+              <a:rPr lang="pt-BR" sz="2400" dirty="0" err="1" smtClean="0">
+                <a:latin typeface="Microsoft JhengHei" panose="020B0604030504040204" pitchFamily="34" charset="-120"/>
+                <a:ea typeface="Microsoft JhengHei" panose="020B0604030504040204" pitchFamily="34" charset="-120"/>
+              </a:rPr>
+              <a:t>ExpectedObject</a:t>
+            </a:r>
+            <a:endParaRPr lang="pt-BR" sz="2400" dirty="0" smtClean="0">
+              <a:latin typeface="Microsoft JhengHei" panose="020B0604030504040204" pitchFamily="34" charset="-120"/>
+              <a:ea typeface="Microsoft JhengHei" panose="020B0604030504040204" pitchFamily="34" charset="-120"/>
+            </a:endParaRPr>
+          </a:p>
+          <a:p>
+            <a:pPr marL="342900" indent="-342900">
+              <a:buFont typeface="Arial" panose="020B0604020202020204" pitchFamily="34" charset="0"/>
+              <a:buChar char="•"/>
+            </a:pPr>
+            <a:r>
+              <a:rPr lang="pt-BR" sz="2400" dirty="0" err="1" smtClean="0">
+                <a:latin typeface="Microsoft JhengHei" panose="020B0604030504040204" pitchFamily="34" charset="-120"/>
+                <a:ea typeface="Microsoft JhengHei" panose="020B0604030504040204" pitchFamily="34" charset="-120"/>
+              </a:rPr>
+              <a:t>Bogus</a:t>
+            </a:r>
+            <a:endParaRPr lang="pt-BR" sz="2400" dirty="0" smtClean="0">
+              <a:latin typeface="Microsoft JhengHei" panose="020B0604030504040204" pitchFamily="34" charset="-120"/>
+              <a:ea typeface="Microsoft JhengHei" panose="020B0604030504040204" pitchFamily="34" charset="-120"/>
+            </a:endParaRPr>
+          </a:p>
+          <a:p>
+            <a:pPr marL="342900" indent="-342900">
+              <a:buFont typeface="Arial" panose="020B0604020202020204" pitchFamily="34" charset="0"/>
+              <a:buChar char="•"/>
+            </a:pPr>
+            <a:r>
+              <a:rPr lang="pt-BR" sz="2400" dirty="0" err="1" smtClean="0">
+                <a:latin typeface="Microsoft JhengHei" panose="020B0604030504040204" pitchFamily="34" charset="-120"/>
+                <a:ea typeface="Microsoft JhengHei" panose="020B0604030504040204" pitchFamily="34" charset="-120"/>
+              </a:rPr>
+              <a:t>Moq</a:t>
+            </a:r>
+            <a:endParaRPr lang="pt-BR" sz="2400" dirty="0">
+              <a:latin typeface="Microsoft JhengHei" panose="020B0604030504040204" pitchFamily="34" charset="-120"/>
+              <a:ea typeface="Microsoft JhengHei" panose="020B0604030504040204" pitchFamily="34" charset="-120"/>
+            </a:endParaRPr>
           </a:p>
         </p:txBody>
       </p:sp>
@@ -6720,6 +7320,13 @@
   <p:clrMapOvr>
     <a:masterClrMapping/>
   </p:clrMapOvr>
+  <p:timing>
+    <p:tnLst>
+      <p:par>
+        <p:cTn id="1" dur="indefinite" restart="never" nodeType="tmRoot"/>
+      </p:par>
+    </p:tnLst>
+  </p:timing>
 </p:sld>
 </file>
 
@@ -6745,7 +7352,7 @@
           <p:cNvPr id="11" name="Cartilha de…">
             <a:extLst>
               <a:ext uri="{FF2B5EF4-FFF2-40B4-BE49-F238E27FC236}">
-                <a16:creationId xmlns:a16="http://schemas.microsoft.com/office/drawing/2014/main" id="{20885346-5B82-4DA9-B1FD-FF8271E7DD53}"/>
+                <a16:creationId xmlns:a16="http://schemas.microsoft.com/office/drawing/2014/main" xmlns="" id="{20885346-5B82-4DA9-B1FD-FF8271E7DD53}"/>
               </a:ext>
             </a:extLst>
           </p:cNvPr>
@@ -6765,7 +7372,7 @@
           </a:ln>
           <a:extLst>
             <a:ext uri="{C572A759-6A51-4108-AA02-DFA0A04FC94B}">
-              <ma14:wrappingTextBoxFlag xmlns="" xmlns:ma14="http://schemas.microsoft.com/office/mac/drawingml/2011/main" val="1"/>
+              <ma14:wrappingTextBoxFlag xmlns:ma14="http://schemas.microsoft.com/office/mac/drawingml/2011/main" xmlns="" val="1"/>
             </a:ext>
           </a:extLst>
         </p:spPr>
@@ -6825,7 +7432,7 @@
           <p:cNvPr id="13" name="Rounded Rectangle">
             <a:extLst>
               <a:ext uri="{FF2B5EF4-FFF2-40B4-BE49-F238E27FC236}">
-                <a16:creationId xmlns:a16="http://schemas.microsoft.com/office/drawing/2014/main" id="{0A2672FB-F31A-4045-9ED5-01430208380C}"/>
+                <a16:creationId xmlns:a16="http://schemas.microsoft.com/office/drawing/2014/main" xmlns="" id="{0A2672FB-F31A-4045-9ED5-01430208380C}"/>
               </a:ext>
             </a:extLst>
           </p:cNvPr>
@@ -6874,7 +7481,7 @@
           <p:cNvPr id="14" name="03">
             <a:extLst>
               <a:ext uri="{FF2B5EF4-FFF2-40B4-BE49-F238E27FC236}">
-                <a16:creationId xmlns:a16="http://schemas.microsoft.com/office/drawing/2014/main" id="{4A61FD1A-E8B7-4C70-B541-8DE874492E4B}"/>
+                <a16:creationId xmlns:a16="http://schemas.microsoft.com/office/drawing/2014/main" xmlns="" id="{4A61FD1A-E8B7-4C70-B541-8DE874492E4B}"/>
               </a:ext>
             </a:extLst>
           </p:cNvPr>
@@ -6899,7 +7506,7 @@
           </a:ln>
           <a:extLst>
             <a:ext uri="{C572A759-6A51-4108-AA02-DFA0A04FC94B}">
-              <ma14:wrappingTextBoxFlag xmlns="" xmlns:ma14="http://schemas.microsoft.com/office/mac/drawingml/2011/main" val="1"/>
+              <ma14:wrappingTextBoxFlag xmlns:ma14="http://schemas.microsoft.com/office/mac/drawingml/2011/main" xmlns="" val="1"/>
             </a:ext>
           </a:extLst>
         </p:spPr>
@@ -6921,7 +7528,7 @@
                   <a:schemeClr val="bg1"/>
                 </a:solidFill>
               </a:rPr>
-              <a:t>04</a:t>
+              <a:t>03</a:t>
             </a:r>
             <a:endParaRPr sz="900" dirty="0">
               <a:solidFill>
@@ -6933,10 +7540,10 @@
       </p:sp>
       <p:sp>
         <p:nvSpPr>
-          <p:cNvPr id="5" name="TextBox 4">
-            <a:extLst>
-              <a:ext uri="{FF2B5EF4-FFF2-40B4-BE49-F238E27FC236}">
-                <a16:creationId xmlns:a16="http://schemas.microsoft.com/office/drawing/2014/main" id="{F1574A57-17B8-41BE-91BA-32761A990732}"/>
+          <p:cNvPr id="7" name="TextBox 6">
+            <a:extLst>
+              <a:ext uri="{FF2B5EF4-FFF2-40B4-BE49-F238E27FC236}">
+                <a16:creationId xmlns:a16="http://schemas.microsoft.com/office/drawing/2014/main" xmlns="" id="{A9511B0A-E628-491C-B76F-4C9FF2C3534F}"/>
               </a:ext>
             </a:extLst>
           </p:cNvPr>
@@ -6945,8 +7552,8 @@
         </p:nvSpPr>
         <p:spPr>
           <a:xfrm>
-            <a:off x="103991" y="807719"/>
-            <a:ext cx="6267780" cy="830997"/>
+            <a:off x="103989" y="807719"/>
+            <a:ext cx="10941961" cy="769441"/>
           </a:xfrm>
           <a:prstGeom prst="rect">
             <a:avLst/>
@@ -6960,108 +7567,129 @@
           <a:lstStyle/>
           <a:p>
             <a:r>
-              <a:rPr lang="pt-BR" sz="4800" dirty="0">
+              <a:rPr lang="pt-BR" sz="4400" dirty="0" smtClean="0">
                 <a:latin typeface="Microsoft JhengHei" panose="020B0604030504040204" pitchFamily="34" charset="-120"/>
                 <a:ea typeface="Microsoft JhengHei" panose="020B0604030504040204" pitchFamily="34" charset="-120"/>
               </a:rPr>
-              <a:t>Testes de Integração</a:t>
-            </a:r>
-          </a:p>
-        </p:txBody>
-      </p:sp>
-      <p:sp>
-        <p:nvSpPr>
-          <p:cNvPr id="2" name="TextBox 1">
-            <a:extLst>
-              <a:ext uri="{FF2B5EF4-FFF2-40B4-BE49-F238E27FC236}">
-                <a16:creationId xmlns:a16="http://schemas.microsoft.com/office/drawing/2014/main" id="{15EF50B9-0E90-49F3-AD52-B59BD24FE89A}"/>
-              </a:ext>
-            </a:extLst>
-          </p:cNvPr>
-          <p:cNvSpPr txBox="1"/>
-          <p:nvPr/>
-        </p:nvSpPr>
-        <p:spPr>
-          <a:xfrm>
-            <a:off x="162369" y="1751308"/>
-            <a:ext cx="10934417" cy="1938992"/>
-          </a:xfrm>
-          <a:prstGeom prst="rect">
-            <a:avLst/>
-          </a:prstGeom>
-          <a:noFill/>
-        </p:spPr>
-        <p:txBody>
-          <a:bodyPr wrap="square" rtlCol="0">
-            <a:spAutoFit/>
-          </a:bodyPr>
-          <a:lstStyle/>
-          <a:p>
-            <a:r>
-              <a:rPr lang="pt-BR" sz="2400" dirty="0">
-                <a:latin typeface="Microsoft JhengHei" panose="020B0604030504040204" pitchFamily="34" charset="-120"/>
-                <a:ea typeface="Microsoft JhengHei" panose="020B0604030504040204" pitchFamily="34" charset="-120"/>
-              </a:rPr>
-              <a:t>Testes que integram </a:t>
-            </a:r>
-            <a:r>
-              <a:rPr lang="pt-BR" sz="2400" b="1" dirty="0">
-                <a:latin typeface="Microsoft JhengHei" panose="020B0604030504040204" pitchFamily="34" charset="-120"/>
-                <a:ea typeface="Microsoft JhengHei" panose="020B0604030504040204" pitchFamily="34" charset="-120"/>
-              </a:rPr>
-              <a:t>PARTES</a:t>
-            </a:r>
-            <a:r>
-              <a:rPr lang="pt-BR" sz="2400" dirty="0">
-                <a:latin typeface="Microsoft JhengHei" panose="020B0604030504040204" pitchFamily="34" charset="-120"/>
-                <a:ea typeface="Microsoft JhengHei" panose="020B0604030504040204" pitchFamily="34" charset="-120"/>
-              </a:rPr>
-              <a:t> do seu sistema:</a:t>
-            </a:r>
-          </a:p>
-          <a:p>
-            <a:endParaRPr lang="pt-BR" sz="2400" dirty="0">
+              <a:t>O que não fazer em um teste de unidade</a:t>
+            </a:r>
+            <a:endParaRPr lang="pt-BR" sz="4400" dirty="0">
               <a:latin typeface="Microsoft JhengHei" panose="020B0604030504040204" pitchFamily="34" charset="-120"/>
               <a:ea typeface="Microsoft JhengHei" panose="020B0604030504040204" pitchFamily="34" charset="-120"/>
             </a:endParaRPr>
           </a:p>
+        </p:txBody>
+      </p:sp>
+      <p:sp>
+        <p:nvSpPr>
+          <p:cNvPr id="3" name="Retângulo 2"/>
+          <p:cNvSpPr/>
+          <p:nvPr/>
+        </p:nvSpPr>
+        <p:spPr>
+          <a:xfrm>
+            <a:off x="469868" y="2121408"/>
+            <a:ext cx="9725692" cy="2308324"/>
+          </a:xfrm>
+          <a:prstGeom prst="rect">
+            <a:avLst/>
+          </a:prstGeom>
+        </p:spPr>
+        <p:txBody>
+          <a:bodyPr wrap="square">
+            <a:spAutoFit/>
+          </a:bodyPr>
+          <a:lstStyle/>
           <a:p>
             <a:pPr marL="342900" indent="-342900">
-              <a:buFont typeface="Arial" panose="020B0604020202020204" pitchFamily="34" charset="0"/>
+              <a:buFont typeface="Arial" pitchFamily="34" charset="0"/>
               <a:buChar char="•"/>
             </a:pPr>
             <a:r>
-              <a:rPr lang="pt-BR" sz="2400" dirty="0">
+              <a:rPr lang="pt-BR" sz="2400" dirty="0" smtClean="0">
                 <a:latin typeface="Microsoft JhengHei" panose="020B0604030504040204" pitchFamily="34" charset="-120"/>
                 <a:ea typeface="Microsoft JhengHei" panose="020B0604030504040204" pitchFamily="34" charset="-120"/>
               </a:rPr>
-              <a:t>Banco de dados;</a:t>
+              <a:t>Testar banco de dados, e-mail e outros serviços externos.</a:t>
             </a:r>
           </a:p>
           <a:p>
             <a:pPr marL="342900" indent="-342900">
-              <a:buFont typeface="Arial" panose="020B0604020202020204" pitchFamily="34" charset="0"/>
+              <a:buFont typeface="Arial" pitchFamily="34" charset="0"/>
               <a:buChar char="•"/>
             </a:pPr>
             <a:r>
-              <a:rPr lang="pt-BR" sz="2400" dirty="0">
+              <a:rPr lang="pt-BR" sz="2400" dirty="0" smtClean="0">
                 <a:latin typeface="Microsoft JhengHei" panose="020B0604030504040204" pitchFamily="34" charset="-120"/>
                 <a:ea typeface="Microsoft JhengHei" panose="020B0604030504040204" pitchFamily="34" charset="-120"/>
               </a:rPr>
-              <a:t>Chamadas HTTP;</a:t>
+              <a:t>Escrever testes que dependem de outros testes.</a:t>
             </a:r>
           </a:p>
           <a:p>
             <a:pPr marL="342900" indent="-342900">
-              <a:buFont typeface="Arial" panose="020B0604020202020204" pitchFamily="34" charset="0"/>
+              <a:buFont typeface="Arial" pitchFamily="34" charset="0"/>
               <a:buChar char="•"/>
             </a:pPr>
             <a:r>
-              <a:rPr lang="pt-BR" sz="2400" dirty="0">
+              <a:rPr lang="pt-BR" sz="2400" dirty="0" smtClean="0">
                 <a:latin typeface="Microsoft JhengHei" panose="020B0604030504040204" pitchFamily="34" charset="-120"/>
                 <a:ea typeface="Microsoft JhengHei" panose="020B0604030504040204" pitchFamily="34" charset="-120"/>
               </a:rPr>
-              <a:t>Serviços externos.</a:t>
+              <a:t>Escrever nome de testes inadequados.</a:t>
+            </a:r>
+          </a:p>
+          <a:p>
+            <a:pPr marL="342900" indent="-342900">
+              <a:buFont typeface="Arial" pitchFamily="34" charset="0"/>
+              <a:buChar char="•"/>
+            </a:pPr>
+            <a:r>
+              <a:rPr lang="pt-BR" sz="2400" dirty="0" smtClean="0">
+                <a:latin typeface="Microsoft JhengHei" panose="020B0604030504040204" pitchFamily="34" charset="-120"/>
+                <a:ea typeface="Microsoft JhengHei" panose="020B0604030504040204" pitchFamily="34" charset="-120"/>
+              </a:rPr>
+              <a:t>Fazer múltiplos </a:t>
+            </a:r>
+            <a:r>
+              <a:rPr lang="pt-BR" sz="2400" dirty="0" err="1" smtClean="0">
+                <a:latin typeface="Microsoft JhengHei" panose="020B0604030504040204" pitchFamily="34" charset="-120"/>
+                <a:ea typeface="Microsoft JhengHei" panose="020B0604030504040204" pitchFamily="34" charset="-120"/>
+              </a:rPr>
+              <a:t>asserts</a:t>
+            </a:r>
+            <a:r>
+              <a:rPr lang="pt-BR" sz="2400" dirty="0" smtClean="0">
+                <a:latin typeface="Microsoft JhengHei" panose="020B0604030504040204" pitchFamily="34" charset="-120"/>
+                <a:ea typeface="Microsoft JhengHei" panose="020B0604030504040204" pitchFamily="34" charset="-120"/>
+              </a:rPr>
+              <a:t>***.</a:t>
+            </a:r>
+          </a:p>
+          <a:p>
+            <a:pPr marL="342900" indent="-342900">
+              <a:buFont typeface="Arial" pitchFamily="34" charset="0"/>
+              <a:buChar char="•"/>
+            </a:pPr>
+            <a:r>
+              <a:rPr lang="pt-BR" sz="2400" dirty="0" smtClean="0">
+                <a:latin typeface="Microsoft JhengHei" panose="020B0604030504040204" pitchFamily="34" charset="-120"/>
+                <a:ea typeface="Microsoft JhengHei" panose="020B0604030504040204" pitchFamily="34" charset="-120"/>
+              </a:rPr>
+              <a:t>Atingir 100% de cobertura.</a:t>
+            </a:r>
+          </a:p>
+          <a:p>
+            <a:pPr marL="342900" indent="-342900">
+              <a:buFont typeface="Arial" pitchFamily="34" charset="0"/>
+              <a:buChar char="•"/>
+            </a:pPr>
+            <a:r>
+              <a:rPr lang="pt-BR" sz="2400" dirty="0" smtClean="0">
+                <a:latin typeface="Microsoft JhengHei" panose="020B0604030504040204" pitchFamily="34" charset="-120"/>
+                <a:ea typeface="Microsoft JhengHei" panose="020B0604030504040204" pitchFamily="34" charset="-120"/>
+              </a:rPr>
+              <a:t>Não cuidar dos testes como códigos de produção.</a:t>
             </a:r>
           </a:p>
         </p:txBody>
@@ -7069,13 +7697,20 @@
     </p:spTree>
     <p:extLst>
       <p:ext uri="{BB962C8B-B14F-4D97-AF65-F5344CB8AC3E}">
-        <p14:creationId xmlns:p14="http://schemas.microsoft.com/office/powerpoint/2010/main" val="202900935"/>
+        <p14:creationId xmlns:p14="http://schemas.microsoft.com/office/powerpoint/2010/main" val="4290760448"/>
       </p:ext>
     </p:extLst>
   </p:cSld>
   <p:clrMapOvr>
     <a:masterClrMapping/>
   </p:clrMapOvr>
+  <p:timing>
+    <p:tnLst>
+      <p:par>
+        <p:cTn id="1" dur="indefinite" restart="never" nodeType="tmRoot"/>
+      </p:par>
+    </p:tnLst>
+  </p:timing>
 </p:sld>
 </file>
 
@@ -7101,7 +7736,7 @@
           <p:cNvPr id="11" name="Cartilha de…">
             <a:extLst>
               <a:ext uri="{FF2B5EF4-FFF2-40B4-BE49-F238E27FC236}">
-                <a16:creationId xmlns:a16="http://schemas.microsoft.com/office/drawing/2014/main" id="{20885346-5B82-4DA9-B1FD-FF8271E7DD53}"/>
+                <a16:creationId xmlns:a16="http://schemas.microsoft.com/office/drawing/2014/main" xmlns="" id="{20885346-5B82-4DA9-B1FD-FF8271E7DD53}"/>
               </a:ext>
             </a:extLst>
           </p:cNvPr>
@@ -7121,7 +7756,7 @@
           </a:ln>
           <a:extLst>
             <a:ext uri="{C572A759-6A51-4108-AA02-DFA0A04FC94B}">
-              <ma14:wrappingTextBoxFlag xmlns="" xmlns:ma14="http://schemas.microsoft.com/office/mac/drawingml/2011/main" val="1"/>
+              <ma14:wrappingTextBoxFlag xmlns:ma14="http://schemas.microsoft.com/office/mac/drawingml/2011/main" xmlns="" val="1"/>
             </a:ext>
           </a:extLst>
         </p:spPr>
@@ -7181,7 +7816,7 @@
           <p:cNvPr id="13" name="Rounded Rectangle">
             <a:extLst>
               <a:ext uri="{FF2B5EF4-FFF2-40B4-BE49-F238E27FC236}">
-                <a16:creationId xmlns:a16="http://schemas.microsoft.com/office/drawing/2014/main" id="{0A2672FB-F31A-4045-9ED5-01430208380C}"/>
+                <a16:creationId xmlns:a16="http://schemas.microsoft.com/office/drawing/2014/main" xmlns="" id="{0A2672FB-F31A-4045-9ED5-01430208380C}"/>
               </a:ext>
             </a:extLst>
           </p:cNvPr>
@@ -7230,7 +7865,7 @@
           <p:cNvPr id="14" name="03">
             <a:extLst>
               <a:ext uri="{FF2B5EF4-FFF2-40B4-BE49-F238E27FC236}">
-                <a16:creationId xmlns:a16="http://schemas.microsoft.com/office/drawing/2014/main" id="{4A61FD1A-E8B7-4C70-B541-8DE874492E4B}"/>
+                <a16:creationId xmlns:a16="http://schemas.microsoft.com/office/drawing/2014/main" xmlns="" id="{4A61FD1A-E8B7-4C70-B541-8DE874492E4B}"/>
               </a:ext>
             </a:extLst>
           </p:cNvPr>
@@ -7255,7 +7890,7 @@
           </a:ln>
           <a:extLst>
             <a:ext uri="{C572A759-6A51-4108-AA02-DFA0A04FC94B}">
-              <ma14:wrappingTextBoxFlag xmlns="" xmlns:ma14="http://schemas.microsoft.com/office/mac/drawingml/2011/main" val="1"/>
+              <ma14:wrappingTextBoxFlag xmlns:ma14="http://schemas.microsoft.com/office/mac/drawingml/2011/main" xmlns="" val="1"/>
             </a:ext>
           </a:extLst>
         </p:spPr>
@@ -7277,7 +7912,7 @@
                   <a:schemeClr val="bg1"/>
                 </a:solidFill>
               </a:rPr>
-              <a:t>05</a:t>
+              <a:t>04</a:t>
             </a:r>
             <a:endParaRPr sz="900" dirty="0">
               <a:solidFill>
@@ -7292,7 +7927,7 @@
           <p:cNvPr id="5" name="TextBox 4">
             <a:extLst>
               <a:ext uri="{FF2B5EF4-FFF2-40B4-BE49-F238E27FC236}">
-                <a16:creationId xmlns:a16="http://schemas.microsoft.com/office/drawing/2014/main" id="{F1574A57-17B8-41BE-91BA-32761A990732}"/>
+                <a16:creationId xmlns:a16="http://schemas.microsoft.com/office/drawing/2014/main" xmlns="" id="{F1574A57-17B8-41BE-91BA-32761A990732}"/>
               </a:ext>
             </a:extLst>
           </p:cNvPr>
@@ -7302,7 +7937,7 @@
         <p:spPr>
           <a:xfrm>
             <a:off x="103991" y="807719"/>
-            <a:ext cx="4177723" cy="830997"/>
+            <a:ext cx="6267780" cy="830997"/>
           </a:xfrm>
           <a:prstGeom prst="rect">
             <a:avLst/>
@@ -7320,7 +7955,104 @@
                 <a:latin typeface="Microsoft JhengHei" panose="020B0604030504040204" pitchFamily="34" charset="-120"/>
                 <a:ea typeface="Microsoft JhengHei" panose="020B0604030504040204" pitchFamily="34" charset="-120"/>
               </a:rPr>
-              <a:t>Testes de e2e</a:t>
+              <a:t>Testes de Integração</a:t>
+            </a:r>
+          </a:p>
+        </p:txBody>
+      </p:sp>
+      <p:sp>
+        <p:nvSpPr>
+          <p:cNvPr id="2" name="TextBox 1">
+            <a:extLst>
+              <a:ext uri="{FF2B5EF4-FFF2-40B4-BE49-F238E27FC236}">
+                <a16:creationId xmlns:a16="http://schemas.microsoft.com/office/drawing/2014/main" xmlns="" id="{15EF50B9-0E90-49F3-AD52-B59BD24FE89A}"/>
+              </a:ext>
+            </a:extLst>
+          </p:cNvPr>
+          <p:cNvSpPr txBox="1"/>
+          <p:nvPr/>
+        </p:nvSpPr>
+        <p:spPr>
+          <a:xfrm>
+            <a:off x="162369" y="1751308"/>
+            <a:ext cx="10934417" cy="1938992"/>
+          </a:xfrm>
+          <a:prstGeom prst="rect">
+            <a:avLst/>
+          </a:prstGeom>
+          <a:noFill/>
+        </p:spPr>
+        <p:txBody>
+          <a:bodyPr wrap="square" rtlCol="0">
+            <a:spAutoFit/>
+          </a:bodyPr>
+          <a:lstStyle/>
+          <a:p>
+            <a:r>
+              <a:rPr lang="pt-BR" sz="2400" dirty="0">
+                <a:latin typeface="Microsoft JhengHei" panose="020B0604030504040204" pitchFamily="34" charset="-120"/>
+                <a:ea typeface="Microsoft JhengHei" panose="020B0604030504040204" pitchFamily="34" charset="-120"/>
+              </a:rPr>
+              <a:t>Testes que integram </a:t>
+            </a:r>
+            <a:r>
+              <a:rPr lang="pt-BR" sz="2400" b="1" dirty="0">
+                <a:latin typeface="Microsoft JhengHei" panose="020B0604030504040204" pitchFamily="34" charset="-120"/>
+                <a:ea typeface="Microsoft JhengHei" panose="020B0604030504040204" pitchFamily="34" charset="-120"/>
+              </a:rPr>
+              <a:t>PARTES</a:t>
+            </a:r>
+            <a:r>
+              <a:rPr lang="pt-BR" sz="2400" dirty="0">
+                <a:latin typeface="Microsoft JhengHei" panose="020B0604030504040204" pitchFamily="34" charset="-120"/>
+                <a:ea typeface="Microsoft JhengHei" panose="020B0604030504040204" pitchFamily="34" charset="-120"/>
+              </a:rPr>
+              <a:t> do seu sistema:</a:t>
+            </a:r>
+          </a:p>
+          <a:p>
+            <a:endParaRPr lang="pt-BR" sz="2400" dirty="0">
+              <a:latin typeface="Microsoft JhengHei" panose="020B0604030504040204" pitchFamily="34" charset="-120"/>
+              <a:ea typeface="Microsoft JhengHei" panose="020B0604030504040204" pitchFamily="34" charset="-120"/>
+            </a:endParaRPr>
+          </a:p>
+          <a:p>
+            <a:pPr marL="342900" indent="-342900">
+              <a:buFont typeface="Arial" panose="020B0604020202020204" pitchFamily="34" charset="0"/>
+              <a:buChar char="•"/>
+            </a:pPr>
+            <a:r>
+              <a:rPr lang="pt-BR" sz="2400" dirty="0">
+                <a:latin typeface="Microsoft JhengHei" panose="020B0604030504040204" pitchFamily="34" charset="-120"/>
+                <a:ea typeface="Microsoft JhengHei" panose="020B0604030504040204" pitchFamily="34" charset="-120"/>
+              </a:rPr>
+              <a:t>Banco de dados;</a:t>
+            </a:r>
+          </a:p>
+          <a:p>
+            <a:pPr marL="342900" indent="-342900">
+              <a:buFont typeface="Arial" panose="020B0604020202020204" pitchFamily="34" charset="0"/>
+              <a:buChar char="•"/>
+            </a:pPr>
+            <a:r>
+              <a:rPr lang="pt-BR" sz="2400" dirty="0">
+                <a:latin typeface="Microsoft JhengHei" panose="020B0604030504040204" pitchFamily="34" charset="-120"/>
+                <a:ea typeface="Microsoft JhengHei" panose="020B0604030504040204" pitchFamily="34" charset="-120"/>
+              </a:rPr>
+              <a:t>Chamadas HTTP;</a:t>
+            </a:r>
+          </a:p>
+          <a:p>
+            <a:pPr marL="342900" indent="-342900">
+              <a:buFont typeface="Arial" panose="020B0604020202020204" pitchFamily="34" charset="0"/>
+              <a:buChar char="•"/>
+            </a:pPr>
+            <a:r>
+              <a:rPr lang="pt-BR" sz="2400" dirty="0">
+                <a:latin typeface="Microsoft JhengHei" panose="020B0604030504040204" pitchFamily="34" charset="-120"/>
+                <a:ea typeface="Microsoft JhengHei" panose="020B0604030504040204" pitchFamily="34" charset="-120"/>
+              </a:rPr>
+              <a:t>Serviços externos.</a:t>
             </a:r>
           </a:p>
         </p:txBody>
@@ -7328,13 +8060,20 @@
     </p:spTree>
     <p:extLst>
       <p:ext uri="{BB962C8B-B14F-4D97-AF65-F5344CB8AC3E}">
-        <p14:creationId xmlns:p14="http://schemas.microsoft.com/office/powerpoint/2010/main" val="251711642"/>
+        <p14:creationId xmlns:p14="http://schemas.microsoft.com/office/powerpoint/2010/main" val="202900935"/>
       </p:ext>
     </p:extLst>
   </p:cSld>
   <p:clrMapOvr>
     <a:masterClrMapping/>
   </p:clrMapOvr>
+  <p:timing>
+    <p:tnLst>
+      <p:par>
+        <p:cTn id="1" dur="indefinite" restart="never" nodeType="tmRoot"/>
+      </p:par>
+    </p:tnLst>
+  </p:timing>
 </p:sld>
 </file>
 
@@ -7360,7 +8099,7 @@
           <p:cNvPr id="11" name="Cartilha de…">
             <a:extLst>
               <a:ext uri="{FF2B5EF4-FFF2-40B4-BE49-F238E27FC236}">
-                <a16:creationId xmlns:a16="http://schemas.microsoft.com/office/drawing/2014/main" id="{20885346-5B82-4DA9-B1FD-FF8271E7DD53}"/>
+                <a16:creationId xmlns:a16="http://schemas.microsoft.com/office/drawing/2014/main" xmlns="" id="{20885346-5B82-4DA9-B1FD-FF8271E7DD53}"/>
               </a:ext>
             </a:extLst>
           </p:cNvPr>
@@ -7380,7 +8119,7 @@
           </a:ln>
           <a:extLst>
             <a:ext uri="{C572A759-6A51-4108-AA02-DFA0A04FC94B}">
-              <ma14:wrappingTextBoxFlag xmlns="" xmlns:ma14="http://schemas.microsoft.com/office/mac/drawingml/2011/main" val="1"/>
+              <ma14:wrappingTextBoxFlag xmlns:ma14="http://schemas.microsoft.com/office/mac/drawingml/2011/main" xmlns="" val="1"/>
             </a:ext>
           </a:extLst>
         </p:spPr>
@@ -7440,7 +8179,7 @@
           <p:cNvPr id="13" name="Rounded Rectangle">
             <a:extLst>
               <a:ext uri="{FF2B5EF4-FFF2-40B4-BE49-F238E27FC236}">
-                <a16:creationId xmlns:a16="http://schemas.microsoft.com/office/drawing/2014/main" id="{0A2672FB-F31A-4045-9ED5-01430208380C}"/>
+                <a16:creationId xmlns:a16="http://schemas.microsoft.com/office/drawing/2014/main" xmlns="" id="{0A2672FB-F31A-4045-9ED5-01430208380C}"/>
               </a:ext>
             </a:extLst>
           </p:cNvPr>
@@ -7489,7 +8228,7 @@
           <p:cNvPr id="14" name="03">
             <a:extLst>
               <a:ext uri="{FF2B5EF4-FFF2-40B4-BE49-F238E27FC236}">
-                <a16:creationId xmlns:a16="http://schemas.microsoft.com/office/drawing/2014/main" id="{4A61FD1A-E8B7-4C70-B541-8DE874492E4B}"/>
+                <a16:creationId xmlns:a16="http://schemas.microsoft.com/office/drawing/2014/main" xmlns="" id="{4A61FD1A-E8B7-4C70-B541-8DE874492E4B}"/>
               </a:ext>
             </a:extLst>
           </p:cNvPr>
@@ -7514,7 +8253,7 @@
           </a:ln>
           <a:extLst>
             <a:ext uri="{C572A759-6A51-4108-AA02-DFA0A04FC94B}">
-              <ma14:wrappingTextBoxFlag xmlns="" xmlns:ma14="http://schemas.microsoft.com/office/mac/drawingml/2011/main" val="1"/>
+              <ma14:wrappingTextBoxFlag xmlns:ma14="http://schemas.microsoft.com/office/mac/drawingml/2011/main" xmlns="" val="1"/>
             </a:ext>
           </a:extLst>
         </p:spPr>
@@ -7536,7 +8275,7 @@
                   <a:schemeClr val="bg1"/>
                 </a:solidFill>
               </a:rPr>
-              <a:t>06</a:t>
+              <a:t>05</a:t>
             </a:r>
             <a:endParaRPr sz="900" dirty="0">
               <a:solidFill>
@@ -7551,7 +8290,7 @@
           <p:cNvPr id="5" name="TextBox 4">
             <a:extLst>
               <a:ext uri="{FF2B5EF4-FFF2-40B4-BE49-F238E27FC236}">
-                <a16:creationId xmlns:a16="http://schemas.microsoft.com/office/drawing/2014/main" id="{CE6A4181-5EF2-4748-A1FA-EE7FD057B5AD}"/>
+                <a16:creationId xmlns:a16="http://schemas.microsoft.com/office/drawing/2014/main" xmlns="" id="{F1574A57-17B8-41BE-91BA-32761A990732}"/>
               </a:ext>
             </a:extLst>
           </p:cNvPr>
@@ -7560,8 +8299,8 @@
         </p:nvSpPr>
         <p:spPr>
           <a:xfrm>
-            <a:off x="45935" y="749663"/>
-            <a:ext cx="11059886" cy="1015663"/>
+            <a:off x="103991" y="807719"/>
+            <a:ext cx="4177723" cy="830997"/>
           </a:xfrm>
           <a:prstGeom prst="rect">
             <a:avLst/>
@@ -7574,63 +8313,256 @@
           </a:bodyPr>
           <a:lstStyle/>
           <a:p>
-            <a:pPr algn="ctr"/>
-            <a:r>
-              <a:rPr lang="pt-BR" sz="6000" dirty="0">
+            <a:r>
+              <a:rPr lang="pt-BR" sz="4800" dirty="0">
                 <a:latin typeface="Microsoft JhengHei" panose="020B0604030504040204" pitchFamily="34" charset="-120"/>
                 <a:ea typeface="Microsoft JhengHei" panose="020B0604030504040204" pitchFamily="34" charset="-120"/>
               </a:rPr>
-              <a:t>HORA DO SHOW... BIIIIRL!</a:t>
-            </a:r>
-          </a:p>
-        </p:txBody>
-      </p:sp>
-      <p:pic>
-        <p:nvPicPr>
-          <p:cNvPr id="4" name="Picture 3">
-            <a:extLst>
-              <a:ext uri="{FF2B5EF4-FFF2-40B4-BE49-F238E27FC236}">
-                <a16:creationId xmlns:a16="http://schemas.microsoft.com/office/drawing/2014/main" id="{60C1700C-0D72-4146-8C25-58215F9E2E4A}"/>
-              </a:ext>
-            </a:extLst>
-          </p:cNvPr>
-          <p:cNvPicPr>
-            <a:picLocks noChangeAspect="1"/>
-          </p:cNvPicPr>
+              <a:t>Testes de e2e</a:t>
+            </a:r>
+          </a:p>
+        </p:txBody>
+      </p:sp>
+      <p:sp>
+        <p:nvSpPr>
+          <p:cNvPr id="2" name="Retângulo 1"/>
+          <p:cNvSpPr/>
           <p:nvPr/>
-        </p:nvPicPr>
-        <p:blipFill>
-          <a:blip r:embed="rId2">
-            <a:extLst>
-              <a:ext uri="{28A0092B-C50C-407E-A947-70E740481C1C}">
-                <a14:useLocalDpi xmlns:a14="http://schemas.microsoft.com/office/drawing/2010/main" val="0"/>
-              </a:ext>
-            </a:extLst>
-          </a:blip>
-          <a:stretch>
-            <a:fillRect/>
-          </a:stretch>
-        </p:blipFill>
-        <p:spPr>
-          <a:xfrm>
-            <a:off x="1776194" y="1765326"/>
-            <a:ext cx="7803235" cy="4810214"/>
-          </a:xfrm>
-          <a:prstGeom prst="rect">
-            <a:avLst/>
-          </a:prstGeom>
-        </p:spPr>
-      </p:pic>
+        </p:nvSpPr>
+        <p:spPr>
+          <a:xfrm>
+            <a:off x="469868" y="1810512"/>
+            <a:ext cx="10219467" cy="4154984"/>
+          </a:xfrm>
+          <a:prstGeom prst="rect">
+            <a:avLst/>
+          </a:prstGeom>
+        </p:spPr>
+        <p:txBody>
+          <a:bodyPr wrap="square">
+            <a:spAutoFit/>
+          </a:bodyPr>
+          <a:lstStyle/>
+          <a:p>
+            <a:r>
+              <a:rPr lang="pt-BR" sz="2400" dirty="0" smtClean="0">
+                <a:latin typeface="Microsoft JhengHei" pitchFamily="34" charset="-120"/>
+                <a:ea typeface="Microsoft JhengHei" pitchFamily="34" charset="-120"/>
+              </a:rPr>
+              <a:t>Teste </a:t>
+            </a:r>
+            <a:r>
+              <a:rPr lang="pt-BR" sz="2400" dirty="0" err="1">
+                <a:latin typeface="Microsoft JhengHei" pitchFamily="34" charset="-120"/>
+                <a:ea typeface="Microsoft JhengHei" pitchFamily="34" charset="-120"/>
+              </a:rPr>
+              <a:t>end-to-end</a:t>
+            </a:r>
+            <a:r>
+              <a:rPr lang="pt-BR" sz="2400" dirty="0">
+                <a:latin typeface="Microsoft JhengHei" pitchFamily="34" charset="-120"/>
+                <a:ea typeface="Microsoft JhengHei" pitchFamily="34" charset="-120"/>
+              </a:rPr>
+              <a:t> é um forma de realizar testes nas quais visam provar o sistema de uma forma mais completa simulando o ambiente </a:t>
+            </a:r>
+            <a:r>
+              <a:rPr lang="pt-BR" sz="2400" dirty="0" smtClean="0">
+                <a:latin typeface="Microsoft JhengHei" pitchFamily="34" charset="-120"/>
+                <a:ea typeface="Microsoft JhengHei" pitchFamily="34" charset="-120"/>
+              </a:rPr>
+              <a:t>real.</a:t>
+            </a:r>
+          </a:p>
+          <a:p>
+            <a:endParaRPr lang="pt-BR" sz="2400" dirty="0">
+              <a:latin typeface="Microsoft JhengHei" pitchFamily="34" charset="-120"/>
+              <a:ea typeface="Microsoft JhengHei" pitchFamily="34" charset="-120"/>
+            </a:endParaRPr>
+          </a:p>
+          <a:p>
+            <a:r>
+              <a:rPr lang="pt-BR" sz="2400" dirty="0" err="1" smtClean="0">
+                <a:latin typeface="Microsoft JhengHei" pitchFamily="34" charset="-120"/>
+                <a:ea typeface="Microsoft JhengHei" pitchFamily="34" charset="-120"/>
+              </a:rPr>
+              <a:t>TestCafe</a:t>
+            </a:r>
+            <a:r>
+              <a:rPr lang="pt-BR" sz="2400" dirty="0" smtClean="0">
+                <a:latin typeface="Microsoft JhengHei" pitchFamily="34" charset="-120"/>
+                <a:ea typeface="Microsoft JhengHei" pitchFamily="34" charset="-120"/>
+              </a:rPr>
+              <a:t>:</a:t>
+            </a:r>
+          </a:p>
+          <a:p>
+            <a:endParaRPr lang="pt-BR" sz="2400" dirty="0">
+              <a:latin typeface="Microsoft JhengHei" pitchFamily="34" charset="-120"/>
+              <a:ea typeface="Microsoft JhengHei" pitchFamily="34" charset="-120"/>
+            </a:endParaRPr>
+          </a:p>
+          <a:p>
+            <a:pPr marL="342900" indent="-342900">
+              <a:buFont typeface="Arial" pitchFamily="34" charset="0"/>
+              <a:buChar char="•"/>
+            </a:pPr>
+            <a:r>
+              <a:rPr lang="pt-BR" sz="2400" dirty="0" err="1" smtClean="0">
+                <a:latin typeface="Microsoft JhengHei" pitchFamily="34" charset="-120"/>
+                <a:ea typeface="Microsoft JhengHei" pitchFamily="34" charset="-120"/>
+              </a:rPr>
+              <a:t>Npm</a:t>
+            </a:r>
+            <a:endParaRPr lang="pt-BR" sz="2400" dirty="0" smtClean="0">
+              <a:latin typeface="Microsoft JhengHei" pitchFamily="34" charset="-120"/>
+              <a:ea typeface="Microsoft JhengHei" pitchFamily="34" charset="-120"/>
+            </a:endParaRPr>
+          </a:p>
+          <a:p>
+            <a:pPr marL="342900" indent="-342900">
+              <a:buFont typeface="Arial" pitchFamily="34" charset="0"/>
+              <a:buChar char="•"/>
+            </a:pPr>
+            <a:r>
+              <a:rPr lang="pt-BR" sz="2400" dirty="0" err="1" smtClean="0">
+                <a:latin typeface="Microsoft JhengHei" pitchFamily="34" charset="-120"/>
+                <a:ea typeface="Microsoft JhengHei" pitchFamily="34" charset="-120"/>
+              </a:rPr>
+              <a:t>JavaScript</a:t>
+            </a:r>
+            <a:r>
+              <a:rPr lang="pt-BR" sz="2400" dirty="0" smtClean="0">
+                <a:latin typeface="Microsoft JhengHei" pitchFamily="34" charset="-120"/>
+                <a:ea typeface="Microsoft JhengHei" pitchFamily="34" charset="-120"/>
+              </a:rPr>
+              <a:t> / </a:t>
+            </a:r>
+            <a:r>
+              <a:rPr lang="pt-BR" sz="2400" dirty="0" err="1" smtClean="0">
+                <a:latin typeface="Microsoft JhengHei" pitchFamily="34" charset="-120"/>
+                <a:ea typeface="Microsoft JhengHei" pitchFamily="34" charset="-120"/>
+              </a:rPr>
+              <a:t>TypeScript</a:t>
+            </a:r>
+            <a:endParaRPr lang="pt-BR" sz="2400" dirty="0" smtClean="0">
+              <a:latin typeface="Microsoft JhengHei" pitchFamily="34" charset="-120"/>
+              <a:ea typeface="Microsoft JhengHei" pitchFamily="34" charset="-120"/>
+            </a:endParaRPr>
+          </a:p>
+          <a:p>
+            <a:pPr marL="342900" indent="-342900">
+              <a:buFont typeface="Arial" pitchFamily="34" charset="0"/>
+              <a:buChar char="•"/>
+            </a:pPr>
+            <a:r>
+              <a:rPr lang="pt-BR" sz="2400" dirty="0" err="1" smtClean="0">
+                <a:latin typeface="Microsoft JhengHei" pitchFamily="34" charset="-120"/>
+                <a:ea typeface="Microsoft JhengHei" pitchFamily="34" charset="-120"/>
+              </a:rPr>
+              <a:t>Async</a:t>
+            </a:r>
+            <a:r>
+              <a:rPr lang="pt-BR" sz="2400" dirty="0" smtClean="0">
+                <a:latin typeface="Microsoft JhengHei" pitchFamily="34" charset="-120"/>
+                <a:ea typeface="Microsoft JhengHei" pitchFamily="34" charset="-120"/>
+              </a:rPr>
+              <a:t>/</a:t>
+            </a:r>
+            <a:r>
+              <a:rPr lang="pt-BR" sz="2400" dirty="0" err="1" smtClean="0">
+                <a:latin typeface="Microsoft JhengHei" pitchFamily="34" charset="-120"/>
+                <a:ea typeface="Microsoft JhengHei" pitchFamily="34" charset="-120"/>
+              </a:rPr>
+              <a:t>Await</a:t>
+            </a:r>
+            <a:endParaRPr lang="pt-BR" sz="2400" dirty="0">
+              <a:latin typeface="Microsoft JhengHei" pitchFamily="34" charset="-120"/>
+              <a:ea typeface="Microsoft JhengHei" pitchFamily="34" charset="-120"/>
+            </a:endParaRPr>
+          </a:p>
+          <a:p>
+            <a:pPr marL="342900" indent="-342900">
+              <a:buFont typeface="Arial" pitchFamily="34" charset="0"/>
+              <a:buChar char="•"/>
+            </a:pPr>
+            <a:r>
+              <a:rPr lang="pt-BR" sz="2400" dirty="0" smtClean="0">
+                <a:latin typeface="Microsoft JhengHei" pitchFamily="34" charset="-120"/>
+                <a:ea typeface="Microsoft JhengHei" pitchFamily="34" charset="-120"/>
+              </a:rPr>
+              <a:t>Automação</a:t>
+            </a:r>
+          </a:p>
+          <a:p>
+            <a:pPr marL="342900" indent="-342900">
+              <a:buFont typeface="Arial" pitchFamily="34" charset="0"/>
+              <a:buChar char="•"/>
+            </a:pPr>
+            <a:r>
+              <a:rPr lang="pt-BR" sz="2400" dirty="0" smtClean="0">
+                <a:latin typeface="Microsoft JhengHei" pitchFamily="34" charset="-120"/>
+                <a:ea typeface="Microsoft JhengHei" pitchFamily="34" charset="-120"/>
+              </a:rPr>
+              <a:t>Integração contínua (</a:t>
+            </a:r>
+            <a:r>
+              <a:rPr lang="pt-BR" sz="2400" dirty="0" err="1" smtClean="0">
+                <a:latin typeface="Microsoft JhengHei" pitchFamily="34" charset="-120"/>
+                <a:ea typeface="Microsoft JhengHei" pitchFamily="34" charset="-120"/>
+              </a:rPr>
+              <a:t>Azure</a:t>
+            </a:r>
+            <a:r>
+              <a:rPr lang="pt-BR" sz="2400" dirty="0" smtClean="0">
+                <a:latin typeface="Microsoft JhengHei" pitchFamily="34" charset="-120"/>
+                <a:ea typeface="Microsoft JhengHei" pitchFamily="34" charset="-120"/>
+              </a:rPr>
+              <a:t> </a:t>
+            </a:r>
+            <a:r>
+              <a:rPr lang="pt-BR" sz="2400" dirty="0" err="1" smtClean="0">
+                <a:latin typeface="Microsoft JhengHei" pitchFamily="34" charset="-120"/>
+                <a:ea typeface="Microsoft JhengHei" pitchFamily="34" charset="-120"/>
+              </a:rPr>
+              <a:t>DevOps</a:t>
+            </a:r>
+            <a:r>
+              <a:rPr lang="pt-BR" sz="2400" dirty="0" smtClean="0">
+                <a:latin typeface="Microsoft JhengHei" pitchFamily="34" charset="-120"/>
+                <a:ea typeface="Microsoft JhengHei" pitchFamily="34" charset="-120"/>
+              </a:rPr>
+              <a:t>)</a:t>
+            </a:r>
+          </a:p>
+          <a:p>
+            <a:pPr marL="342900" indent="-342900">
+              <a:buFont typeface="Arial" pitchFamily="34" charset="0"/>
+              <a:buChar char="•"/>
+            </a:pPr>
+            <a:endParaRPr lang="pt-BR" sz="2400" u="sng" dirty="0">
+              <a:latin typeface="Microsoft JhengHei" panose="020B0604030504040204" pitchFamily="34" charset="-120"/>
+              <a:ea typeface="Microsoft JhengHei" panose="020B0604030504040204" pitchFamily="34" charset="-120"/>
+            </a:endParaRPr>
+          </a:p>
+        </p:txBody>
+      </p:sp>
     </p:spTree>
     <p:extLst>
       <p:ext uri="{BB962C8B-B14F-4D97-AF65-F5344CB8AC3E}">
-        <p14:creationId xmlns:p14="http://schemas.microsoft.com/office/powerpoint/2010/main" val="811678892"/>
+        <p14:creationId xmlns:p14="http://schemas.microsoft.com/office/powerpoint/2010/main" val="251711642"/>
       </p:ext>
     </p:extLst>
   </p:cSld>
   <p:clrMapOvr>
     <a:masterClrMapping/>
   </p:clrMapOvr>
+  <p:timing>
+    <p:tnLst>
+      <p:par>
+        <p:cTn id="1" dur="indefinite" restart="never" nodeType="tmRoot"/>
+      </p:par>
+    </p:tnLst>
+  </p:timing>
 </p:sld>
 </file>
 
@@ -7677,7 +8609,7 @@
     </a:clrScheme>
     <a:fontScheme name="Office">
       <a:majorFont>
-        <a:latin typeface="Calibri Light" panose="020F0302020204030204"/>
+        <a:latin typeface="Calibri Light"/>
         <a:ea typeface=""/>
         <a:cs typeface=""/>
         <a:font script="Jpan" typeface="游ゴシック Light"/>
@@ -7729,7 +8661,7 @@
         <a:font script="Tfng" typeface="Ebrima"/>
       </a:majorFont>
       <a:minorFont>
-        <a:latin typeface="Calibri" panose="020F0502020204030204"/>
+        <a:latin typeface="Calibri"/>
         <a:ea typeface=""/>
         <a:cs typeface=""/>
         <a:font script="Jpan" typeface="游ゴシック"/>
@@ -7923,7 +8855,7 @@
   <a:extraClrSchemeLst/>
   <a:extLst>
     <a:ext uri="{05A4C25C-085E-4340-85A3-A5531E510DB2}">
-      <thm15:themeFamily xmlns:thm15="http://schemas.microsoft.com/office/thememl/2012/main" name="Office Theme" id="{62F939B6-93AF-4DB8-9C6B-D6C7DFDC589F}" vid="{4A3C46E8-61CC-4603-A589-7422A47A8E4A}"/>
+      <thm15:themeFamily xmlns:thm15="http://schemas.microsoft.com/office/thememl/2012/main" xmlns="" name="Office Theme" id="{62F939B6-93AF-4DB8-9C6B-D6C7DFDC589F}" vid="{4A3C46E8-61CC-4603-A589-7422A47A8E4A}"/>
     </a:ext>
   </a:extLst>
 </a:theme>
@@ -7972,7 +8904,7 @@
     </a:clrScheme>
     <a:fontScheme name="Office">
       <a:majorFont>
-        <a:latin typeface="Calibri Light" panose="020F0302020204030204"/>
+        <a:latin typeface="Calibri Light"/>
         <a:ea typeface=""/>
         <a:cs typeface=""/>
         <a:font script="Jpan" typeface="游ゴシック Light"/>
@@ -8024,7 +8956,7 @@
         <a:font script="Tfng" typeface="Ebrima"/>
       </a:majorFont>
       <a:minorFont>
-        <a:latin typeface="Calibri" panose="020F0502020204030204"/>
+        <a:latin typeface="Calibri"/>
         <a:ea typeface=""/>
         <a:cs typeface=""/>
         <a:font script="Jpan" typeface="游ゴシック"/>
@@ -8218,7 +9150,7 @@
   <a:extraClrSchemeLst/>
   <a:extLst>
     <a:ext uri="{05A4C25C-085E-4340-85A3-A5531E510DB2}">
-      <thm15:themeFamily xmlns:thm15="http://schemas.microsoft.com/office/thememl/2012/main" name="Office Theme" id="{62F939B6-93AF-4DB8-9C6B-D6C7DFDC589F}" vid="{4A3C46E8-61CC-4603-A589-7422A47A8E4A}"/>
+      <thm15:themeFamily xmlns:thm15="http://schemas.microsoft.com/office/thememl/2012/main" xmlns="" name="Office Theme" id="{62F939B6-93AF-4DB8-9C6B-D6C7DFDC589F}" vid="{4A3C46E8-61CC-4603-A589-7422A47A8E4A}"/>
     </a:ext>
   </a:extLst>
 </a:theme>
